--- a/yifang/4/第4题算法思路.pptx
+++ b/yifang/4/第4题算法思路.pptx
@@ -5,7 +5,7 @@
     <p:sldMasterId id="2147483648" r:id="rId1"/>
   </p:sldMasterIdLst>
   <p:notesMasterIdLst>
-    <p:notesMasterId r:id="rId12"/>
+    <p:notesMasterId r:id="rId14"/>
   </p:notesMasterIdLst>
   <p:sldIdLst>
     <p:sldId id="256" r:id="rId2"/>
@@ -18,6 +18,8 @@
     <p:sldId id="265" r:id="rId9"/>
     <p:sldId id="266" r:id="rId10"/>
     <p:sldId id="267" r:id="rId11"/>
+    <p:sldId id="268" r:id="rId12"/>
+    <p:sldId id="269" r:id="rId13"/>
   </p:sldIdLst>
   <p:sldSz cx="12192000" cy="6858000"/>
   <p:notesSz cx="6858000" cy="9144000"/>
@@ -3451,7 +3453,7 @@
         </p:nvSpPr>
         <p:spPr>
           <a:xfrm>
-            <a:off x="5881816" y="757620"/>
+            <a:off x="5018298" y="637505"/>
             <a:ext cx="1683953" cy="580768"/>
           </a:xfrm>
         </p:spPr>
@@ -3574,14 +3576,34 @@
             </a:pPr>
             <a:r>
               <a:rPr kumimoji="1" lang="zh-CN" altLang="en-US" dirty="0" smtClean="0"/>
-              <a:t>首先根据的首行元素位置进行分类，可分成</a:t>
-            </a:r>
-            <a:r>
-              <a:rPr kumimoji="1" lang="en-US" altLang="zh-CN" smtClean="0"/>
+              <a:t>首先根据矩形的</a:t>
+            </a:r>
+            <a:r>
+              <a:rPr kumimoji="1" lang="en-US" altLang="zh-CN" dirty="0" smtClean="0"/>
+              <a:t>“</a:t>
+            </a:r>
+            <a:r>
+              <a:rPr kumimoji="1" lang="zh-CN" altLang="en-US" dirty="0"/>
+              <a:t>首行</a:t>
+            </a:r>
+            <a:r>
+              <a:rPr kumimoji="1" lang="zh-CN" altLang="en-US" dirty="0" smtClean="0"/>
+              <a:t>位置</a:t>
+            </a:r>
+            <a:r>
+              <a:rPr kumimoji="1" lang="en-US" altLang="zh-CN" dirty="0" smtClean="0"/>
+              <a:t>”</a:t>
+            </a:r>
+            <a:r>
+              <a:rPr kumimoji="1" lang="zh-CN" altLang="en-US" dirty="0" smtClean="0"/>
+              <a:t>进行分类，可分成</a:t>
+            </a:r>
+            <a:r>
+              <a:rPr kumimoji="1" lang="en-US" altLang="zh-CN" dirty="0" smtClean="0"/>
               <a:t>M</a:t>
             </a:r>
             <a:r>
-              <a:rPr kumimoji="1" lang="zh-CN" altLang="en-US" smtClean="0"/>
+              <a:rPr kumimoji="1" lang="zh-CN" altLang="en-US" dirty="0" smtClean="0"/>
               <a:t>类。</a:t>
             </a:r>
             <a:endParaRPr kumimoji="1" lang="en-US" altLang="zh-CN" dirty="0" smtClean="0"/>
@@ -3593,9 +3615,33 @@
             </a:pPr>
             <a:r>
               <a:rPr kumimoji="1" lang="zh-CN" altLang="en-US" dirty="0" smtClean="0"/>
-              <a:t>然后用这些角点去生成矩阵。</a:t>
-            </a:r>
-            <a:endParaRPr kumimoji="1" lang="en-US" altLang="zh-CN" dirty="0"/>
+              <a:t>确定</a:t>
+            </a:r>
+            <a:r>
+              <a:rPr kumimoji="1" lang="en-US" altLang="zh-CN" dirty="0"/>
+              <a:t>“</a:t>
+            </a:r>
+            <a:r>
+              <a:rPr kumimoji="1" lang="zh-CN" altLang="en-US" dirty="0"/>
+              <a:t>首行位置</a:t>
+            </a:r>
+            <a:r>
+              <a:rPr kumimoji="1" lang="en-US" altLang="zh-CN" dirty="0" smtClean="0"/>
+              <a:t>”,</a:t>
+            </a:r>
+            <a:r>
+              <a:rPr kumimoji="1" lang="zh-CN" altLang="en-US" dirty="0" smtClean="0"/>
+              <a:t>可根据每行的“连续</a:t>
+            </a:r>
+            <a:r>
+              <a:rPr kumimoji="1" lang="en-US" altLang="zh-CN" dirty="0" smtClean="0"/>
+              <a:t>1</a:t>
+            </a:r>
+            <a:r>
+              <a:rPr kumimoji="1" lang="zh-CN" altLang="en-US" dirty="0" smtClean="0"/>
+              <a:t>集合”进行分类。</a:t>
+            </a:r>
+            <a:endParaRPr kumimoji="1" lang="en-US" altLang="zh-CN" dirty="0" smtClean="0"/>
           </a:p>
           <a:p>
             <a:pPr marL="342900" indent="-342900">
@@ -3604,46 +3650,697 @@
             </a:pPr>
             <a:r>
               <a:rPr kumimoji="1" lang="zh-CN" altLang="en-US" dirty="0" smtClean="0"/>
-              <a:t>然后从所有生成的矩形中找出面积最大的。</a:t>
+              <a:t>确定“首</a:t>
+            </a:r>
+            <a:r>
+              <a:rPr kumimoji="1" lang="zh-CN" altLang="en-US" dirty="0"/>
+              <a:t>行位置</a:t>
+            </a:r>
+            <a:r>
+              <a:rPr kumimoji="1" lang="en-US" altLang="zh-CN" dirty="0" smtClean="0"/>
+              <a:t>”</a:t>
+            </a:r>
+            <a:r>
+              <a:rPr kumimoji="1" lang="zh-CN" altLang="en-US" dirty="0" smtClean="0"/>
+              <a:t>与</a:t>
+            </a:r>
+            <a:r>
+              <a:rPr kumimoji="1" lang="zh-CN" altLang="en-US" dirty="0"/>
+              <a:t>“连续</a:t>
+            </a:r>
+            <a:r>
+              <a:rPr kumimoji="1" lang="en-US" altLang="zh-CN" dirty="0"/>
+              <a:t>1</a:t>
+            </a:r>
+            <a:r>
+              <a:rPr kumimoji="1" lang="zh-CN" altLang="en-US" dirty="0" smtClean="0"/>
+              <a:t>集合”，再根据矩形高度进行分类。</a:t>
             </a:r>
             <a:endParaRPr kumimoji="1" lang="zh-CN" altLang="en-US" dirty="0"/>
           </a:p>
         </p:txBody>
       </p:sp>
-      <p:sp>
-        <p:nvSpPr>
-          <p:cNvPr id="14" name="矩形 13"/>
-          <p:cNvSpPr/>
+      <p:grpSp>
+        <p:nvGrpSpPr>
+          <p:cNvPr id="26" name="组 25"/>
+          <p:cNvGrpSpPr/>
           <p:nvPr/>
-        </p:nvSpPr>
-        <p:spPr>
-          <a:xfrm>
-            <a:off x="5640078" y="5790854"/>
-            <a:ext cx="6096000" cy="923330"/>
+        </p:nvGrpSpPr>
+        <p:grpSpPr>
+          <a:xfrm>
+            <a:off x="616293" y="3954164"/>
+            <a:ext cx="5957502" cy="2450242"/>
+            <a:chOff x="616293" y="3385751"/>
+            <a:chExt cx="5957502" cy="2450242"/>
+          </a:xfrm>
+        </p:grpSpPr>
+        <p:pic>
+          <p:nvPicPr>
+            <p:cNvPr id="3" name="图片 2"/>
+            <p:cNvPicPr>
+              <a:picLocks noChangeAspect="1"/>
+            </p:cNvPicPr>
+            <p:nvPr/>
+          </p:nvPicPr>
+          <p:blipFill>
+            <a:blip r:embed="rId2"/>
+            <a:stretch>
+              <a:fillRect/>
+            </a:stretch>
+          </p:blipFill>
+          <p:spPr>
+            <a:xfrm>
+              <a:off x="616293" y="3740493"/>
+              <a:ext cx="1790700" cy="2095500"/>
+            </a:xfrm>
+            <a:prstGeom prst="rect">
+              <a:avLst/>
+            </a:prstGeom>
+          </p:spPr>
+        </p:pic>
+        <p:sp>
+          <p:nvSpPr>
+            <p:cNvPr id="4" name="圆角矩形 3"/>
+            <p:cNvSpPr/>
+            <p:nvPr/>
+          </p:nvSpPr>
+          <p:spPr>
+            <a:xfrm>
+              <a:off x="1371600" y="3765207"/>
+              <a:ext cx="444843" cy="300166"/>
+            </a:xfrm>
+            <a:prstGeom prst="roundRect">
+              <a:avLst/>
+            </a:prstGeom>
+            <a:noFill/>
+            <a:ln>
+              <a:solidFill>
+                <a:srgbClr val="FF0000"/>
+              </a:solidFill>
+            </a:ln>
+          </p:spPr>
+          <p:style>
+            <a:lnRef idx="2">
+              <a:schemeClr val="accent6"/>
+            </a:lnRef>
+            <a:fillRef idx="1">
+              <a:schemeClr val="lt1"/>
+            </a:fillRef>
+            <a:effectRef idx="0">
+              <a:schemeClr val="accent6"/>
+            </a:effectRef>
+            <a:fontRef idx="minor">
+              <a:schemeClr val="dk1"/>
+            </a:fontRef>
+          </p:style>
+          <p:txBody>
+            <a:bodyPr rtlCol="0" anchor="ctr"/>
+            <a:lstStyle/>
+            <a:p>
+              <a:pPr algn="ctr"/>
+              <a:endParaRPr kumimoji="1" lang="zh-CN" altLang="en-US"/>
+            </a:p>
+          </p:txBody>
+        </p:sp>
+        <p:sp>
+          <p:nvSpPr>
+            <p:cNvPr id="15" name="圆角矩形 14"/>
+            <p:cNvSpPr/>
+            <p:nvPr/>
+          </p:nvSpPr>
+          <p:spPr>
+            <a:xfrm>
+              <a:off x="1184960" y="4399006"/>
+              <a:ext cx="631483" cy="248240"/>
+            </a:xfrm>
+            <a:prstGeom prst="roundRect">
+              <a:avLst/>
+            </a:prstGeom>
+            <a:noFill/>
+            <a:ln>
+              <a:solidFill>
+                <a:srgbClr val="FF0000"/>
+              </a:solidFill>
+            </a:ln>
+          </p:spPr>
+          <p:style>
+            <a:lnRef idx="2">
+              <a:schemeClr val="accent6"/>
+            </a:lnRef>
+            <a:fillRef idx="1">
+              <a:schemeClr val="lt1"/>
+            </a:fillRef>
+            <a:effectRef idx="0">
+              <a:schemeClr val="accent6"/>
+            </a:effectRef>
+            <a:fontRef idx="minor">
+              <a:schemeClr val="dk1"/>
+            </a:fontRef>
+          </p:style>
+          <p:txBody>
+            <a:bodyPr rtlCol="0" anchor="ctr"/>
+            <a:lstStyle/>
+            <a:p>
+              <a:pPr algn="ctr"/>
+              <a:endParaRPr kumimoji="1" lang="zh-CN" altLang="en-US"/>
+            </a:p>
+          </p:txBody>
+        </p:sp>
+        <p:sp>
+          <p:nvSpPr>
+            <p:cNvPr id="16" name="圆角矩形 15"/>
+            <p:cNvSpPr/>
+            <p:nvPr/>
+          </p:nvSpPr>
+          <p:spPr>
+            <a:xfrm>
+              <a:off x="840259" y="4098840"/>
+              <a:ext cx="344701" cy="300166"/>
+            </a:xfrm>
+            <a:prstGeom prst="roundRect">
+              <a:avLst/>
+            </a:prstGeom>
+            <a:noFill/>
+            <a:ln>
+              <a:solidFill>
+                <a:srgbClr val="FF0000"/>
+              </a:solidFill>
+            </a:ln>
+          </p:spPr>
+          <p:style>
+            <a:lnRef idx="2">
+              <a:schemeClr val="accent6"/>
+            </a:lnRef>
+            <a:fillRef idx="1">
+              <a:schemeClr val="lt1"/>
+            </a:fillRef>
+            <a:effectRef idx="0">
+              <a:schemeClr val="accent6"/>
+            </a:effectRef>
+            <a:fontRef idx="minor">
+              <a:schemeClr val="dk1"/>
+            </a:fontRef>
+          </p:style>
+          <p:txBody>
+            <a:bodyPr rtlCol="0" anchor="ctr"/>
+            <a:lstStyle/>
+            <a:p>
+              <a:pPr algn="ctr"/>
+              <a:endParaRPr kumimoji="1" lang="zh-CN" altLang="en-US"/>
+            </a:p>
+          </p:txBody>
+        </p:sp>
+        <p:sp>
+          <p:nvSpPr>
+            <p:cNvPr id="13" name="圆角矩形 12"/>
+            <p:cNvSpPr/>
+            <p:nvPr/>
+          </p:nvSpPr>
+          <p:spPr>
+            <a:xfrm>
+              <a:off x="3398108" y="3385751"/>
+              <a:ext cx="3175687" cy="379456"/>
+            </a:xfrm>
+            <a:prstGeom prst="roundRect">
+              <a:avLst/>
+            </a:prstGeom>
+            <a:ln>
+              <a:solidFill>
+                <a:srgbClr val="FF0000"/>
+              </a:solidFill>
+            </a:ln>
+          </p:spPr>
+          <p:style>
+            <a:lnRef idx="2">
+              <a:schemeClr val="accent6"/>
+            </a:lnRef>
+            <a:fillRef idx="1">
+              <a:schemeClr val="lt1"/>
+            </a:fillRef>
+            <a:effectRef idx="0">
+              <a:schemeClr val="accent6"/>
+            </a:effectRef>
+            <a:fontRef idx="minor">
+              <a:schemeClr val="dk1"/>
+            </a:fontRef>
+          </p:style>
+          <p:txBody>
+            <a:bodyPr rtlCol="0" anchor="ctr"/>
+            <a:lstStyle/>
+            <a:p>
+              <a:pPr algn="ctr"/>
+              <a:r>
+                <a:rPr kumimoji="1" lang="zh-CN" altLang="en-US" dirty="0" smtClean="0"/>
+                <a:t>长度为</a:t>
+              </a:r>
+              <a:r>
+                <a:rPr kumimoji="1" lang="en-US" altLang="zh-CN" dirty="0" smtClean="0"/>
+                <a:t>2</a:t>
+              </a:r>
+              <a:r>
+                <a:rPr kumimoji="1" lang="zh-CN" altLang="en-US" dirty="0" smtClean="0"/>
+                <a:t>的“</a:t>
+              </a:r>
+              <a:r>
+                <a:rPr kumimoji="1" lang="zh-CN" altLang="en-US" dirty="0"/>
+                <a:t>连续</a:t>
+              </a:r>
+              <a:r>
+                <a:rPr kumimoji="1" lang="en-US" altLang="zh-CN" dirty="0"/>
+                <a:t>1</a:t>
+              </a:r>
+              <a:r>
+                <a:rPr kumimoji="1" lang="zh-CN" altLang="en-US" dirty="0"/>
+                <a:t>集合”</a:t>
+              </a:r>
+              <a:r>
+                <a:rPr kumimoji="1" lang="zh-CN" altLang="en-US" dirty="0" smtClean="0"/>
+                <a:t>”</a:t>
+              </a:r>
+              <a:endParaRPr kumimoji="1" lang="zh-CN" altLang="en-US" dirty="0"/>
+            </a:p>
+          </p:txBody>
+        </p:sp>
+        <p:sp>
+          <p:nvSpPr>
+            <p:cNvPr id="17" name="圆角矩形 16"/>
+            <p:cNvSpPr/>
+            <p:nvPr/>
+          </p:nvSpPr>
+          <p:spPr>
+            <a:xfrm>
+              <a:off x="3398108" y="4248923"/>
+              <a:ext cx="3175687" cy="379456"/>
+            </a:xfrm>
+            <a:prstGeom prst="roundRect">
+              <a:avLst/>
+            </a:prstGeom>
+            <a:ln>
+              <a:solidFill>
+                <a:srgbClr val="FF0000"/>
+              </a:solidFill>
+            </a:ln>
+          </p:spPr>
+          <p:style>
+            <a:lnRef idx="2">
+              <a:schemeClr val="accent6"/>
+            </a:lnRef>
+            <a:fillRef idx="1">
+              <a:schemeClr val="lt1"/>
+            </a:fillRef>
+            <a:effectRef idx="0">
+              <a:schemeClr val="accent6"/>
+            </a:effectRef>
+            <a:fontRef idx="minor">
+              <a:schemeClr val="dk1"/>
+            </a:fontRef>
+          </p:style>
+          <p:txBody>
+            <a:bodyPr rtlCol="0" anchor="ctr"/>
+            <a:lstStyle/>
+            <a:p>
+              <a:pPr algn="ctr"/>
+              <a:r>
+                <a:rPr kumimoji="1" lang="zh-CN" altLang="en-US" dirty="0" smtClean="0"/>
+                <a:t>长度为</a:t>
+              </a:r>
+              <a:r>
+                <a:rPr kumimoji="1" lang="en-US" altLang="zh-CN" dirty="0"/>
+                <a:t>1</a:t>
+              </a:r>
+              <a:r>
+                <a:rPr kumimoji="1" lang="zh-CN" altLang="en-US" dirty="0" smtClean="0"/>
+                <a:t>的“</a:t>
+              </a:r>
+              <a:r>
+                <a:rPr kumimoji="1" lang="zh-CN" altLang="en-US" dirty="0"/>
+                <a:t>连续</a:t>
+              </a:r>
+              <a:r>
+                <a:rPr kumimoji="1" lang="en-US" altLang="zh-CN" dirty="0"/>
+                <a:t>1</a:t>
+              </a:r>
+              <a:r>
+                <a:rPr kumimoji="1" lang="zh-CN" altLang="en-US" dirty="0"/>
+                <a:t>集合”</a:t>
+              </a:r>
+              <a:r>
+                <a:rPr kumimoji="1" lang="zh-CN" altLang="en-US" dirty="0" smtClean="0"/>
+                <a:t>”</a:t>
+              </a:r>
+              <a:endParaRPr kumimoji="1" lang="zh-CN" altLang="en-US" dirty="0"/>
+            </a:p>
+          </p:txBody>
+        </p:sp>
+        <p:sp>
+          <p:nvSpPr>
+            <p:cNvPr id="18" name="圆角矩形 17"/>
+            <p:cNvSpPr/>
+            <p:nvPr/>
+          </p:nvSpPr>
+          <p:spPr>
+            <a:xfrm>
+              <a:off x="3398108" y="5216869"/>
+              <a:ext cx="3175687" cy="379456"/>
+            </a:xfrm>
+            <a:prstGeom prst="roundRect">
+              <a:avLst/>
+            </a:prstGeom>
+            <a:ln>
+              <a:solidFill>
+                <a:srgbClr val="FF0000"/>
+              </a:solidFill>
+            </a:ln>
+          </p:spPr>
+          <p:style>
+            <a:lnRef idx="2">
+              <a:schemeClr val="accent6"/>
+            </a:lnRef>
+            <a:fillRef idx="1">
+              <a:schemeClr val="lt1"/>
+            </a:fillRef>
+            <a:effectRef idx="0">
+              <a:schemeClr val="accent6"/>
+            </a:effectRef>
+            <a:fontRef idx="minor">
+              <a:schemeClr val="dk1"/>
+            </a:fontRef>
+          </p:style>
+          <p:txBody>
+            <a:bodyPr rtlCol="0" anchor="ctr"/>
+            <a:lstStyle/>
+            <a:p>
+              <a:pPr algn="ctr"/>
+              <a:r>
+                <a:rPr kumimoji="1" lang="zh-CN" altLang="en-US" dirty="0" smtClean="0"/>
+                <a:t>长度为</a:t>
+              </a:r>
+              <a:r>
+                <a:rPr kumimoji="1" lang="en-US" altLang="zh-CN" dirty="0"/>
+                <a:t>1</a:t>
+              </a:r>
+              <a:r>
+                <a:rPr kumimoji="1" lang="zh-CN" altLang="en-US" dirty="0" smtClean="0"/>
+                <a:t>的“连续</a:t>
+              </a:r>
+              <a:r>
+                <a:rPr kumimoji="1" lang="en-US" altLang="zh-CN" dirty="0" smtClean="0"/>
+                <a:t>3</a:t>
+              </a:r>
+              <a:r>
+                <a:rPr kumimoji="1" lang="zh-CN" altLang="en-US" dirty="0" smtClean="0"/>
+                <a:t>集合</a:t>
+              </a:r>
+              <a:r>
+                <a:rPr kumimoji="1" lang="zh-CN" altLang="en-US" dirty="0"/>
+                <a:t>”</a:t>
+              </a:r>
+              <a:r>
+                <a:rPr kumimoji="1" lang="zh-CN" altLang="en-US" dirty="0" smtClean="0"/>
+                <a:t>”</a:t>
+              </a:r>
+              <a:endParaRPr kumimoji="1" lang="zh-CN" altLang="en-US" dirty="0"/>
+            </a:p>
+          </p:txBody>
+        </p:sp>
+        <p:cxnSp>
+          <p:nvCxnSpPr>
+            <p:cNvPr id="20" name="直线箭头连接符 19"/>
+            <p:cNvCxnSpPr>
+              <a:endCxn id="13" idx="1"/>
+            </p:cNvCxnSpPr>
+            <p:nvPr/>
+          </p:nvCxnSpPr>
+          <p:spPr>
+            <a:xfrm flipV="1">
+              <a:off x="1816443" y="3575479"/>
+              <a:ext cx="1581665" cy="165014"/>
+            </a:xfrm>
+            <a:prstGeom prst="straightConnector1">
+              <a:avLst/>
+            </a:prstGeom>
+            <a:ln>
+              <a:solidFill>
+                <a:srgbClr val="FF0000"/>
+              </a:solidFill>
+              <a:tailEnd type="triangle"/>
+            </a:ln>
+          </p:spPr>
+          <p:style>
+            <a:lnRef idx="1">
+              <a:schemeClr val="accent1"/>
+            </a:lnRef>
+            <a:fillRef idx="0">
+              <a:schemeClr val="accent1"/>
+            </a:fillRef>
+            <a:effectRef idx="0">
+              <a:schemeClr val="accent1"/>
+            </a:effectRef>
+            <a:fontRef idx="minor">
+              <a:schemeClr val="tx1"/>
+            </a:fontRef>
+          </p:style>
+        </p:cxnSp>
+        <p:cxnSp>
+          <p:nvCxnSpPr>
+            <p:cNvPr id="21" name="直线箭头连接符 20"/>
+            <p:cNvCxnSpPr/>
+            <p:nvPr/>
+          </p:nvCxnSpPr>
+          <p:spPr>
+            <a:xfrm>
+              <a:off x="1184960" y="4269258"/>
+              <a:ext cx="2213148" cy="189728"/>
+            </a:xfrm>
+            <a:prstGeom prst="straightConnector1">
+              <a:avLst/>
+            </a:prstGeom>
+            <a:ln>
+              <a:solidFill>
+                <a:srgbClr val="FF0000"/>
+              </a:solidFill>
+              <a:tailEnd type="triangle"/>
+            </a:ln>
+          </p:spPr>
+          <p:style>
+            <a:lnRef idx="1">
+              <a:schemeClr val="accent1"/>
+            </a:lnRef>
+            <a:fillRef idx="0">
+              <a:schemeClr val="accent1"/>
+            </a:fillRef>
+            <a:effectRef idx="0">
+              <a:schemeClr val="accent1"/>
+            </a:effectRef>
+            <a:fontRef idx="minor">
+              <a:schemeClr val="tx1"/>
+            </a:fontRef>
+          </p:style>
+        </p:cxnSp>
+        <p:cxnSp>
+          <p:nvCxnSpPr>
+            <p:cNvPr id="24" name="直线箭头连接符 23"/>
+            <p:cNvCxnSpPr>
+              <a:endCxn id="18" idx="1"/>
+            </p:cNvCxnSpPr>
+            <p:nvPr/>
+          </p:nvCxnSpPr>
+          <p:spPr>
+            <a:xfrm>
+              <a:off x="1816443" y="4609069"/>
+              <a:ext cx="1581665" cy="797528"/>
+            </a:xfrm>
+            <a:prstGeom prst="straightConnector1">
+              <a:avLst/>
+            </a:prstGeom>
+            <a:ln>
+              <a:solidFill>
+                <a:srgbClr val="FF0000"/>
+              </a:solidFill>
+              <a:tailEnd type="triangle"/>
+            </a:ln>
+          </p:spPr>
+          <p:style>
+            <a:lnRef idx="1">
+              <a:schemeClr val="accent1"/>
+            </a:lnRef>
+            <a:fillRef idx="0">
+              <a:schemeClr val="accent1"/>
+            </a:fillRef>
+            <a:effectRef idx="0">
+              <a:schemeClr val="accent1"/>
+            </a:effectRef>
+            <a:fontRef idx="minor">
+              <a:schemeClr val="tx1"/>
+            </a:fontRef>
+          </p:style>
+        </p:cxnSp>
+      </p:grpSp>
+      <p:pic>
+        <p:nvPicPr>
+          <p:cNvPr id="28" name="图片 27"/>
+          <p:cNvPicPr>
+            <a:picLocks noChangeAspect="1"/>
+          </p:cNvPicPr>
+          <p:nvPr/>
+        </p:nvPicPr>
+        <p:blipFill>
+          <a:blip r:embed="rId3"/>
+          <a:stretch>
+            <a:fillRect/>
+          </a:stretch>
+        </p:blipFill>
+        <p:spPr>
+          <a:xfrm>
+            <a:off x="7564910" y="3140006"/>
+            <a:ext cx="2679700" cy="2946400"/>
           </a:xfrm>
           <a:prstGeom prst="rect">
             <a:avLst/>
           </a:prstGeom>
         </p:spPr>
-        <p:txBody>
-          <a:bodyPr>
-            <a:spAutoFit/>
-          </a:bodyPr>
-          <a:lstStyle/>
-          <a:p>
-            <a:r>
-              <a:rPr kumimoji="1" lang="zh-CN" altLang="en-US" dirty="0" smtClean="0">
-                <a:solidFill>
-                  <a:srgbClr val="0070C0"/>
-                </a:solidFill>
-              </a:rPr>
-              <a:t>注意，角点也是一种边点，只不过角点即是纵边点，也是横边点，这也是角点的判断依据。如果一个点是边点但不是角点，那么我称之为纯边点。</a:t>
-            </a:r>
-            <a:endParaRPr kumimoji="1" lang="zh-CN" altLang="en-US" dirty="0">
+      </p:pic>
+      <p:sp>
+        <p:nvSpPr>
+          <p:cNvPr id="29" name="圆角矩形 28"/>
+          <p:cNvSpPr/>
+          <p:nvPr/>
+        </p:nvSpPr>
+        <p:spPr>
+          <a:xfrm>
+            <a:off x="8180174" y="4423719"/>
+            <a:ext cx="259492" cy="339570"/>
+          </a:xfrm>
+          <a:prstGeom prst="roundRect">
+            <a:avLst/>
+          </a:prstGeom>
+          <a:noFill/>
+          <a:ln>
+            <a:solidFill>
+              <a:srgbClr val="FFFF00"/>
+            </a:solidFill>
+          </a:ln>
+        </p:spPr>
+        <p:style>
+          <a:lnRef idx="2">
+            <a:schemeClr val="accent6"/>
+          </a:lnRef>
+          <a:fillRef idx="1">
+            <a:schemeClr val="lt1"/>
+          </a:fillRef>
+          <a:effectRef idx="0">
+            <a:schemeClr val="accent6"/>
+          </a:effectRef>
+          <a:fontRef idx="minor">
+            <a:schemeClr val="dk1"/>
+          </a:fontRef>
+        </p:style>
+        <p:txBody>
+          <a:bodyPr rtlCol="0" anchor="ctr"/>
+          <a:lstStyle/>
+          <a:p>
+            <a:pPr algn="ctr"/>
+            <a:endParaRPr kumimoji="1" lang="zh-CN" altLang="en-US">
               <a:solidFill>
-                <a:srgbClr val="0070C0"/>
+                <a:srgbClr val="FFFF00"/>
               </a:solidFill>
             </a:endParaRPr>
+          </a:p>
+        </p:txBody>
+      </p:sp>
+      <p:cxnSp>
+        <p:nvCxnSpPr>
+          <p:cNvPr id="30" name="直线箭头连接符 29"/>
+          <p:cNvCxnSpPr/>
+          <p:nvPr/>
+        </p:nvCxnSpPr>
+        <p:spPr>
+          <a:xfrm flipV="1">
+            <a:off x="8463350" y="4143892"/>
+            <a:ext cx="2114034" cy="427391"/>
+          </a:xfrm>
+          <a:prstGeom prst="straightConnector1">
+            <a:avLst/>
+          </a:prstGeom>
+          <a:ln>
+            <a:solidFill>
+              <a:schemeClr val="accent1"/>
+            </a:solidFill>
+            <a:tailEnd type="triangle"/>
+          </a:ln>
+        </p:spPr>
+        <p:style>
+          <a:lnRef idx="1">
+            <a:schemeClr val="accent1"/>
+          </a:lnRef>
+          <a:fillRef idx="0">
+            <a:schemeClr val="accent1"/>
+          </a:fillRef>
+          <a:effectRef idx="0">
+            <a:schemeClr val="accent1"/>
+          </a:effectRef>
+          <a:fontRef idx="minor">
+            <a:schemeClr val="tx1"/>
+          </a:fontRef>
+        </p:style>
+      </p:cxnSp>
+      <p:sp>
+        <p:nvSpPr>
+          <p:cNvPr id="32" name="圆角矩形 31"/>
+          <p:cNvSpPr/>
+          <p:nvPr/>
+        </p:nvSpPr>
+        <p:spPr>
+          <a:xfrm>
+            <a:off x="10577384" y="3381560"/>
+            <a:ext cx="1482811" cy="1077429"/>
+          </a:xfrm>
+          <a:prstGeom prst="roundRect">
+            <a:avLst/>
+          </a:prstGeom>
+        </p:spPr>
+        <p:style>
+          <a:lnRef idx="2">
+            <a:schemeClr val="accent1">
+              <a:shade val="50000"/>
+            </a:schemeClr>
+          </a:lnRef>
+          <a:fillRef idx="1">
+            <a:schemeClr val="accent1"/>
+          </a:fillRef>
+          <a:effectRef idx="0">
+            <a:schemeClr val="accent1"/>
+          </a:effectRef>
+          <a:fontRef idx="minor">
+            <a:schemeClr val="lt1"/>
+          </a:fontRef>
+        </p:style>
+        <p:txBody>
+          <a:bodyPr rtlCol="0" anchor="ctr"/>
+          <a:lstStyle/>
+          <a:p>
+            <a:pPr algn="ctr"/>
+            <a:r>
+              <a:rPr kumimoji="1" lang="zh-CN" altLang="en-US" sz="1600" dirty="0" smtClean="0"/>
+              <a:t>该矩形的</a:t>
+            </a:r>
+            <a:r>
+              <a:rPr kumimoji="1" lang="zh-CN" altLang="en-US" sz="1600" dirty="0"/>
+              <a:t>首行位置</a:t>
+            </a:r>
+            <a:r>
+              <a:rPr kumimoji="1" lang="en-US" altLang="zh-CN" sz="1600" dirty="0" smtClean="0"/>
+              <a:t>”</a:t>
+            </a:r>
+            <a:r>
+              <a:rPr kumimoji="1" lang="zh-CN" altLang="en-US" sz="1600" dirty="0" smtClean="0"/>
+              <a:t>为</a:t>
+            </a:r>
+            <a:r>
+              <a:rPr kumimoji="1" lang="en-US" altLang="zh-CN" sz="1600" dirty="0" smtClean="0"/>
+              <a:t>5</a:t>
+            </a:r>
+            <a:endParaRPr kumimoji="1" lang="zh-CN" altLang="en-US" sz="1600" dirty="0"/>
           </a:p>
         </p:txBody>
       </p:sp>
@@ -3664,6 +4361,465 @@
       </p:par>
     </p:tnLst>
   </p:timing>
+</p:sld>
+</file>
+
+<file path=ppt/slides/slide11.xml><?xml version="1.0" encoding="utf-8"?>
+<p:sld xmlns:a="http://schemas.openxmlformats.org/drawingml/2006/main" xmlns:r="http://schemas.openxmlformats.org/officeDocument/2006/relationships" xmlns:p="http://schemas.openxmlformats.org/presentationml/2006/main">
+  <p:cSld>
+    <p:spTree>
+      <p:nvGrpSpPr>
+        <p:cNvPr id="1" name=""/>
+        <p:cNvGrpSpPr/>
+        <p:nvPr/>
+      </p:nvGrpSpPr>
+      <p:grpSpPr>
+        <a:xfrm>
+          <a:off x="0" y="0"/>
+          <a:ext cx="0" cy="0"/>
+          <a:chOff x="0" y="0"/>
+          <a:chExt cx="0" cy="0"/>
+        </a:xfrm>
+      </p:grpSpPr>
+      <p:sp>
+        <p:nvSpPr>
+          <p:cNvPr id="2" name="标题 1"/>
+          <p:cNvSpPr>
+            <a:spLocks noGrp="1"/>
+          </p:cNvSpPr>
+          <p:nvPr>
+            <p:ph type="title"/>
+          </p:nvPr>
+        </p:nvSpPr>
+        <p:spPr>
+          <a:xfrm>
+            <a:off x="0" y="0"/>
+            <a:ext cx="10515600" cy="1325563"/>
+          </a:xfrm>
+        </p:spPr>
+        <p:txBody>
+          <a:bodyPr/>
+          <a:lstStyle/>
+          <a:p>
+            <a:r>
+              <a:rPr kumimoji="1" lang="zh-CN" altLang="en-US" dirty="0" smtClean="0"/>
+              <a:t>数据结构</a:t>
+            </a:r>
+            <a:r>
+              <a:rPr kumimoji="1" lang="zh-CN" altLang="en-US" sz="1600" dirty="0" smtClean="0"/>
+              <a:t>简单示意</a:t>
+            </a:r>
+            <a:endParaRPr kumimoji="1" lang="zh-CN" altLang="en-US" sz="1600" dirty="0"/>
+          </a:p>
+        </p:txBody>
+      </p:sp>
+      <p:sp>
+        <p:nvSpPr>
+          <p:cNvPr id="52" name="文本框 51"/>
+          <p:cNvSpPr txBox="1"/>
+          <p:nvPr/>
+        </p:nvSpPr>
+        <p:spPr>
+          <a:xfrm>
+            <a:off x="511415" y="4296333"/>
+            <a:ext cx="1172116" cy="369332"/>
+          </a:xfrm>
+          <a:prstGeom prst="rect">
+            <a:avLst/>
+          </a:prstGeom>
+          <a:noFill/>
+        </p:spPr>
+        <p:txBody>
+          <a:bodyPr wrap="none" rtlCol="0">
+            <a:spAutoFit/>
+          </a:bodyPr>
+          <a:lstStyle/>
+          <a:p>
+            <a:r>
+              <a:rPr kumimoji="1" lang="zh-CN" altLang="en-US" dirty="0" smtClean="0"/>
+              <a:t>原</a:t>
+            </a:r>
+            <a:r>
+              <a:rPr kumimoji="1" lang="en-US" altLang="zh-CN" dirty="0" smtClean="0"/>
+              <a:t>0,1</a:t>
+            </a:r>
+            <a:r>
+              <a:rPr kumimoji="1" lang="zh-CN" altLang="en-US" dirty="0" smtClean="0"/>
+              <a:t>矩阵</a:t>
+            </a:r>
+            <a:endParaRPr kumimoji="1" lang="zh-CN" altLang="en-US" dirty="0"/>
+          </a:p>
+        </p:txBody>
+      </p:sp>
+      <p:pic>
+        <p:nvPicPr>
+          <p:cNvPr id="5" name="图片 4"/>
+          <p:cNvPicPr>
+            <a:picLocks noChangeAspect="1"/>
+          </p:cNvPicPr>
+          <p:nvPr/>
+        </p:nvPicPr>
+        <p:blipFill>
+          <a:blip r:embed="rId2"/>
+          <a:stretch>
+            <a:fillRect/>
+          </a:stretch>
+        </p:blipFill>
+        <p:spPr>
+          <a:xfrm>
+            <a:off x="666828" y="3038540"/>
+            <a:ext cx="861290" cy="900000"/>
+          </a:xfrm>
+          <a:prstGeom prst="rect">
+            <a:avLst/>
+          </a:prstGeom>
+        </p:spPr>
+      </p:pic>
+      <p:pic>
+        <p:nvPicPr>
+          <p:cNvPr id="23" name="图片 22"/>
+          <p:cNvPicPr>
+            <a:picLocks noChangeAspect="1"/>
+          </p:cNvPicPr>
+          <p:nvPr/>
+        </p:nvPicPr>
+        <p:blipFill>
+          <a:blip r:embed="rId3"/>
+          <a:stretch>
+            <a:fillRect/>
+          </a:stretch>
+        </p:blipFill>
+        <p:spPr>
+          <a:xfrm>
+            <a:off x="2365976" y="3038540"/>
+            <a:ext cx="5878724" cy="900000"/>
+          </a:xfrm>
+          <a:prstGeom prst="rect">
+            <a:avLst/>
+          </a:prstGeom>
+        </p:spPr>
+      </p:pic>
+      <p:pic>
+        <p:nvPicPr>
+          <p:cNvPr id="25" name="图片 24"/>
+          <p:cNvPicPr>
+            <a:picLocks noChangeAspect="1"/>
+          </p:cNvPicPr>
+          <p:nvPr/>
+        </p:nvPicPr>
+        <p:blipFill>
+          <a:blip r:embed="rId4"/>
+          <a:stretch>
+            <a:fillRect/>
+          </a:stretch>
+        </p:blipFill>
+        <p:spPr>
+          <a:xfrm>
+            <a:off x="8847348" y="3038540"/>
+            <a:ext cx="2506452" cy="900000"/>
+          </a:xfrm>
+          <a:prstGeom prst="rect">
+            <a:avLst/>
+          </a:prstGeom>
+        </p:spPr>
+      </p:pic>
+      <p:sp>
+        <p:nvSpPr>
+          <p:cNvPr id="28" name="矩形 27"/>
+          <p:cNvSpPr/>
+          <p:nvPr/>
+        </p:nvSpPr>
+        <p:spPr>
+          <a:xfrm>
+            <a:off x="4667984" y="4296333"/>
+            <a:ext cx="1274708" cy="369332"/>
+          </a:xfrm>
+          <a:prstGeom prst="rect">
+            <a:avLst/>
+          </a:prstGeom>
+        </p:spPr>
+        <p:txBody>
+          <a:bodyPr wrap="none">
+            <a:spAutoFit/>
+          </a:bodyPr>
+          <a:lstStyle/>
+          <a:p>
+            <a:r>
+              <a:rPr lang="zh-CN" altLang="en-US" dirty="0"/>
+              <a:t>nodeArray:</a:t>
+            </a:r>
+          </a:p>
+        </p:txBody>
+      </p:sp>
+      <p:sp>
+        <p:nvSpPr>
+          <p:cNvPr id="29" name="矩形 28"/>
+          <p:cNvSpPr/>
+          <p:nvPr/>
+        </p:nvSpPr>
+        <p:spPr>
+          <a:xfrm>
+            <a:off x="9809468" y="4296333"/>
+            <a:ext cx="955711" cy="369332"/>
+          </a:xfrm>
+          <a:prstGeom prst="rect">
+            <a:avLst/>
+          </a:prstGeom>
+        </p:spPr>
+        <p:txBody>
+          <a:bodyPr wrap="none">
+            <a:spAutoFit/>
+          </a:bodyPr>
+          <a:lstStyle/>
+          <a:p>
+            <a:r>
+              <a:rPr lang="en-US" altLang="zh-CN" dirty="0" err="1" smtClean="0"/>
+              <a:t>rowInfs</a:t>
+            </a:r>
+            <a:r>
+              <a:rPr lang="en-US" altLang="zh-CN" dirty="0" smtClean="0"/>
+              <a:t>:</a:t>
+            </a:r>
+            <a:endParaRPr lang="en-US" altLang="zh-CN" dirty="0"/>
+          </a:p>
+        </p:txBody>
+      </p:sp>
+    </p:spTree>
+    <p:extLst>
+      <p:ext uri="{BB962C8B-B14F-4D97-AF65-F5344CB8AC3E}">
+        <p14:creationId xmlns:p14="http://schemas.microsoft.com/office/powerpoint/2010/main" val="284496123"/>
+      </p:ext>
+    </p:extLst>
+  </p:cSld>
+  <p:clrMapOvr>
+    <a:masterClrMapping/>
+  </p:clrMapOvr>
+</p:sld>
+</file>
+
+<file path=ppt/slides/slide12.xml><?xml version="1.0" encoding="utf-8"?>
+<p:sld xmlns:a="http://schemas.openxmlformats.org/drawingml/2006/main" xmlns:r="http://schemas.openxmlformats.org/officeDocument/2006/relationships" xmlns:p="http://schemas.openxmlformats.org/presentationml/2006/main">
+  <p:cSld>
+    <p:spTree>
+      <p:nvGrpSpPr>
+        <p:cNvPr id="1" name=""/>
+        <p:cNvGrpSpPr/>
+        <p:nvPr/>
+      </p:nvGrpSpPr>
+      <p:grpSpPr>
+        <a:xfrm>
+          <a:off x="0" y="0"/>
+          <a:ext cx="0" cy="0"/>
+          <a:chOff x="0" y="0"/>
+          <a:chExt cx="0" cy="0"/>
+        </a:xfrm>
+      </p:grpSpPr>
+      <p:sp>
+        <p:nvSpPr>
+          <p:cNvPr id="2" name="标题 1"/>
+          <p:cNvSpPr>
+            <a:spLocks noGrp="1"/>
+          </p:cNvSpPr>
+          <p:nvPr>
+            <p:ph type="title"/>
+          </p:nvPr>
+        </p:nvSpPr>
+        <p:spPr>
+          <a:xfrm>
+            <a:off x="0" y="0"/>
+            <a:ext cx="11180805" cy="1325563"/>
+          </a:xfrm>
+        </p:spPr>
+        <p:txBody>
+          <a:bodyPr/>
+          <a:lstStyle/>
+          <a:p>
+            <a:r>
+              <a:rPr kumimoji="1" lang="zh-CN" altLang="en-US" dirty="0" smtClean="0"/>
+              <a:t>数据</a:t>
+            </a:r>
+            <a:r>
+              <a:rPr kumimoji="1" lang="zh-CN" altLang="en-US" dirty="0" smtClean="0"/>
+              <a:t>结构</a:t>
+            </a:r>
+            <a:r>
+              <a:rPr lang="zh-CN" altLang="en-US" sz="1600" dirty="0"/>
+              <a:t>nodeArray</a:t>
+            </a:r>
+            <a:r>
+              <a:rPr lang="zh-CN" altLang="en-US" sz="1600" dirty="0" smtClean="0"/>
+              <a:t>:</a:t>
+            </a:r>
+            <a:endParaRPr kumimoji="1" lang="zh-CN" altLang="en-US" sz="1600" dirty="0"/>
+          </a:p>
+        </p:txBody>
+      </p:sp>
+      <p:pic>
+        <p:nvPicPr>
+          <p:cNvPr id="23" name="图片 22"/>
+          <p:cNvPicPr>
+            <a:picLocks noChangeAspect="1"/>
+          </p:cNvPicPr>
+          <p:nvPr/>
+        </p:nvPicPr>
+        <p:blipFill>
+          <a:blip r:embed="rId2"/>
+          <a:stretch>
+            <a:fillRect/>
+          </a:stretch>
+        </p:blipFill>
+        <p:spPr>
+          <a:xfrm>
+            <a:off x="643190" y="1817862"/>
+            <a:ext cx="8938842" cy="1499951"/>
+          </a:xfrm>
+          <a:prstGeom prst="rect">
+            <a:avLst/>
+          </a:prstGeom>
+        </p:spPr>
+      </p:pic>
+      <p:sp>
+        <p:nvSpPr>
+          <p:cNvPr id="3" name="圆角矩形 2"/>
+          <p:cNvSpPr/>
+          <p:nvPr/>
+        </p:nvSpPr>
+        <p:spPr>
+          <a:xfrm>
+            <a:off x="643190" y="4917989"/>
+            <a:ext cx="914400" cy="914400"/>
+          </a:xfrm>
+          <a:prstGeom prst="roundRect">
+            <a:avLst/>
+          </a:prstGeom>
+        </p:spPr>
+        <p:style>
+          <a:lnRef idx="2">
+            <a:schemeClr val="accent1">
+              <a:shade val="50000"/>
+            </a:schemeClr>
+          </a:lnRef>
+          <a:fillRef idx="1">
+            <a:schemeClr val="accent1"/>
+          </a:fillRef>
+          <a:effectRef idx="0">
+            <a:schemeClr val="accent1"/>
+          </a:effectRef>
+          <a:fontRef idx="minor">
+            <a:schemeClr val="lt1"/>
+          </a:fontRef>
+        </p:style>
+        <p:txBody>
+          <a:bodyPr rtlCol="0" anchor="ctr"/>
+          <a:lstStyle/>
+          <a:p>
+            <a:pPr algn="ctr"/>
+            <a:r>
+              <a:rPr kumimoji="1" lang="zh-CN" altLang="en-US" dirty="0" smtClean="0"/>
+              <a:t>节点行号</a:t>
+            </a:r>
+            <a:endParaRPr kumimoji="1" lang="zh-CN" altLang="en-US" dirty="0"/>
+          </a:p>
+        </p:txBody>
+      </p:sp>
+      <p:sp>
+        <p:nvSpPr>
+          <p:cNvPr id="10" name="圆角矩形 9"/>
+          <p:cNvSpPr/>
+          <p:nvPr/>
+        </p:nvSpPr>
+        <p:spPr>
+          <a:xfrm>
+            <a:off x="1771773" y="4917989"/>
+            <a:ext cx="914400" cy="914400"/>
+          </a:xfrm>
+          <a:prstGeom prst="roundRect">
+            <a:avLst/>
+          </a:prstGeom>
+        </p:spPr>
+        <p:style>
+          <a:lnRef idx="2">
+            <a:schemeClr val="accent1">
+              <a:shade val="50000"/>
+            </a:schemeClr>
+          </a:lnRef>
+          <a:fillRef idx="1">
+            <a:schemeClr val="accent1"/>
+          </a:fillRef>
+          <a:effectRef idx="0">
+            <a:schemeClr val="accent1"/>
+          </a:effectRef>
+          <a:fontRef idx="minor">
+            <a:schemeClr val="lt1"/>
+          </a:fontRef>
+        </p:style>
+        <p:txBody>
+          <a:bodyPr rtlCol="0" anchor="ctr"/>
+          <a:lstStyle/>
+          <a:p>
+            <a:pPr algn="ctr"/>
+            <a:r>
+              <a:rPr kumimoji="1" lang="zh-CN" altLang="en-US" smtClean="0"/>
+              <a:t>节点列号</a:t>
+            </a:r>
+            <a:endParaRPr kumimoji="1" lang="zh-CN" altLang="en-US"/>
+          </a:p>
+        </p:txBody>
+      </p:sp>
+      <p:sp>
+        <p:nvSpPr>
+          <p:cNvPr id="11" name="圆角矩形 10"/>
+          <p:cNvSpPr/>
+          <p:nvPr/>
+        </p:nvSpPr>
+        <p:spPr>
+          <a:xfrm>
+            <a:off x="2900356" y="4917989"/>
+            <a:ext cx="914400" cy="914400"/>
+          </a:xfrm>
+          <a:prstGeom prst="roundRect">
+            <a:avLst/>
+          </a:prstGeom>
+        </p:spPr>
+        <p:style>
+          <a:lnRef idx="2">
+            <a:schemeClr val="accent1">
+              <a:shade val="50000"/>
+            </a:schemeClr>
+          </a:lnRef>
+          <a:fillRef idx="1">
+            <a:schemeClr val="accent1"/>
+          </a:fillRef>
+          <a:effectRef idx="0">
+            <a:schemeClr val="accent1"/>
+          </a:effectRef>
+          <a:fontRef idx="minor">
+            <a:schemeClr val="lt1"/>
+          </a:fontRef>
+        </p:style>
+        <p:txBody>
+          <a:bodyPr rtlCol="0" anchor="ctr"/>
+          <a:lstStyle/>
+          <a:p>
+            <a:pPr algn="ctr"/>
+            <a:r>
+              <a:rPr kumimoji="1" lang="zh-CN" altLang="en-US" dirty="0" smtClean="0"/>
+              <a:t>节点</a:t>
+            </a:r>
+            <a:endParaRPr kumimoji="1" lang="zh-CN" altLang="en-US" dirty="0"/>
+          </a:p>
+        </p:txBody>
+      </p:sp>
+    </p:spTree>
+    <p:extLst>
+      <p:ext uri="{BB962C8B-B14F-4D97-AF65-F5344CB8AC3E}">
+        <p14:creationId xmlns:p14="http://schemas.microsoft.com/office/powerpoint/2010/main" val="150676237"/>
+      </p:ext>
+    </p:extLst>
+  </p:cSld>
+  <p:clrMapOvr>
+    <a:masterClrMapping/>
+  </p:clrMapOvr>
 </p:sld>
 </file>
 

--- a/yifang/4/第4题算法思路.pptx
+++ b/yifang/4/第4题算法思路.pptx
@@ -5,7 +5,7 @@
     <p:sldMasterId id="2147483648" r:id="rId1"/>
   </p:sldMasterIdLst>
   <p:notesMasterIdLst>
-    <p:notesMasterId r:id="rId14"/>
+    <p:notesMasterId r:id="rId17"/>
   </p:notesMasterIdLst>
   <p:sldIdLst>
     <p:sldId id="256" r:id="rId2"/>
@@ -19,7 +19,10 @@
     <p:sldId id="266" r:id="rId10"/>
     <p:sldId id="267" r:id="rId11"/>
     <p:sldId id="268" r:id="rId12"/>
-    <p:sldId id="269" r:id="rId13"/>
+    <p:sldId id="270" r:id="rId13"/>
+    <p:sldId id="269" r:id="rId14"/>
+    <p:sldId id="271" r:id="rId15"/>
+    <p:sldId id="272" r:id="rId16"/>
   </p:sldIdLst>
   <p:sldSz cx="12192000" cy="6858000"/>
   <p:notesSz cx="6858000" cy="9144000"/>
@@ -4643,14 +4646,26 @@
               <a:t>结构</a:t>
             </a:r>
             <a:r>
-              <a:rPr lang="zh-CN" altLang="en-US" sz="1600" dirty="0"/>
+              <a:rPr lang="zh-CN" altLang="en-US" sz="1600" dirty="0">
+                <a:solidFill>
+                  <a:srgbClr val="FF0000"/>
+                </a:solidFill>
+              </a:rPr>
               <a:t>nodeArray</a:t>
             </a:r>
             <a:r>
-              <a:rPr lang="zh-CN" altLang="en-US" sz="1600" dirty="0" smtClean="0"/>
+              <a:rPr lang="zh-CN" altLang="en-US" sz="1600" dirty="0" smtClean="0">
+                <a:solidFill>
+                  <a:srgbClr val="FF0000"/>
+                </a:solidFill>
+              </a:rPr>
               <a:t>:</a:t>
             </a:r>
-            <a:endParaRPr kumimoji="1" lang="zh-CN" altLang="en-US" sz="1600" dirty="0"/>
+            <a:endParaRPr kumimoji="1" lang="zh-CN" altLang="en-US" sz="1600" dirty="0">
+              <a:solidFill>
+                <a:srgbClr val="FF0000"/>
+              </a:solidFill>
+            </a:endParaRPr>
           </a:p>
         </p:txBody>
       </p:sp>
@@ -4670,8 +4685,8 @@
         </p:blipFill>
         <p:spPr>
           <a:xfrm>
-            <a:off x="643190" y="1817862"/>
-            <a:ext cx="8938842" cy="1499951"/>
+            <a:off x="643190" y="1897585"/>
+            <a:ext cx="8463740" cy="1420228"/>
           </a:xfrm>
           <a:prstGeom prst="rect">
             <a:avLst/>
@@ -4686,8 +4701,8 @@
         </p:nvSpPr>
         <p:spPr>
           <a:xfrm>
-            <a:off x="643190" y="4917989"/>
-            <a:ext cx="914400" cy="914400"/>
+            <a:off x="272488" y="5087672"/>
+            <a:ext cx="853495" cy="757074"/>
           </a:xfrm>
           <a:prstGeom prst="roundRect">
             <a:avLst/>
@@ -4730,8 +4745,8 @@
         </p:nvSpPr>
         <p:spPr>
           <a:xfrm>
-            <a:off x="1771773" y="4917989"/>
-            <a:ext cx="914400" cy="914400"/>
+            <a:off x="1401071" y="5087672"/>
+            <a:ext cx="865799" cy="757074"/>
           </a:xfrm>
           <a:prstGeom prst="roundRect">
             <a:avLst/>
@@ -4774,8 +4789,8 @@
         </p:nvSpPr>
         <p:spPr>
           <a:xfrm>
-            <a:off x="2900356" y="4917989"/>
-            <a:ext cx="914400" cy="914400"/>
+            <a:off x="2739718" y="5087672"/>
+            <a:ext cx="2705996" cy="757074"/>
           </a:xfrm>
           <a:prstGeom prst="roundRect">
             <a:avLst/>
@@ -4804,7 +4819,626 @@
             <a:pPr algn="ctr"/>
             <a:r>
               <a:rPr kumimoji="1" lang="zh-CN" altLang="en-US" dirty="0" smtClean="0"/>
-              <a:t>节点</a:t>
+              <a:t>节点归属的“连续</a:t>
+            </a:r>
+            <a:r>
+              <a:rPr kumimoji="1" lang="en-US" altLang="zh-CN" dirty="0"/>
+              <a:t>1</a:t>
+            </a:r>
+            <a:r>
+              <a:rPr kumimoji="1" lang="zh-CN" altLang="en-US" dirty="0"/>
+              <a:t>集合</a:t>
+            </a:r>
+            <a:r>
+              <a:rPr kumimoji="1" lang="zh-CN" altLang="en-US" dirty="0" smtClean="0"/>
+              <a:t>”的左起点</a:t>
+            </a:r>
+            <a:endParaRPr kumimoji="1" lang="zh-CN" altLang="en-US" dirty="0"/>
+          </a:p>
+        </p:txBody>
+      </p:sp>
+      <p:sp>
+        <p:nvSpPr>
+          <p:cNvPr id="13" name="圆角矩形 12"/>
+          <p:cNvSpPr/>
+          <p:nvPr/>
+        </p:nvSpPr>
+        <p:spPr>
+          <a:xfrm>
+            <a:off x="6166658" y="5087672"/>
+            <a:ext cx="2479797" cy="757074"/>
+          </a:xfrm>
+          <a:prstGeom prst="roundRect">
+            <a:avLst/>
+          </a:prstGeom>
+        </p:spPr>
+        <p:style>
+          <a:lnRef idx="2">
+            <a:schemeClr val="accent1">
+              <a:shade val="50000"/>
+            </a:schemeClr>
+          </a:lnRef>
+          <a:fillRef idx="1">
+            <a:schemeClr val="accent1"/>
+          </a:fillRef>
+          <a:effectRef idx="0">
+            <a:schemeClr val="accent1"/>
+          </a:effectRef>
+          <a:fontRef idx="minor">
+            <a:schemeClr val="lt1"/>
+          </a:fontRef>
+        </p:style>
+        <p:txBody>
+          <a:bodyPr rtlCol="0" anchor="ctr"/>
+          <a:lstStyle/>
+          <a:p>
+            <a:pPr algn="ctr"/>
+            <a:r>
+              <a:rPr kumimoji="1" lang="zh-CN" altLang="en-US" dirty="0" smtClean="0"/>
+              <a:t>节点归属的“连续</a:t>
+            </a:r>
+            <a:r>
+              <a:rPr kumimoji="1" lang="en-US" altLang="zh-CN" dirty="0"/>
+              <a:t>1</a:t>
+            </a:r>
+            <a:r>
+              <a:rPr kumimoji="1" lang="zh-CN" altLang="en-US" dirty="0"/>
+              <a:t>集合</a:t>
+            </a:r>
+            <a:r>
+              <a:rPr kumimoji="1" lang="zh-CN" altLang="en-US" dirty="0" smtClean="0"/>
+              <a:t>”的右终点</a:t>
+            </a:r>
+            <a:endParaRPr kumimoji="1" lang="zh-CN" altLang="en-US" dirty="0"/>
+          </a:p>
+        </p:txBody>
+      </p:sp>
+      <p:sp>
+        <p:nvSpPr>
+          <p:cNvPr id="14" name="圆角矩形 13"/>
+          <p:cNvSpPr/>
+          <p:nvPr/>
+        </p:nvSpPr>
+        <p:spPr>
+          <a:xfrm>
+            <a:off x="9354701" y="5087672"/>
+            <a:ext cx="865799" cy="757074"/>
+          </a:xfrm>
+          <a:prstGeom prst="roundRect">
+            <a:avLst/>
+          </a:prstGeom>
+        </p:spPr>
+        <p:style>
+          <a:lnRef idx="2">
+            <a:schemeClr val="accent1">
+              <a:shade val="50000"/>
+            </a:schemeClr>
+          </a:lnRef>
+          <a:fillRef idx="1">
+            <a:schemeClr val="accent1"/>
+          </a:fillRef>
+          <a:effectRef idx="0">
+            <a:schemeClr val="accent1"/>
+          </a:effectRef>
+          <a:fontRef idx="minor">
+            <a:schemeClr val="lt1"/>
+          </a:fontRef>
+        </p:style>
+        <p:txBody>
+          <a:bodyPr rtlCol="0" anchor="ctr"/>
+          <a:lstStyle/>
+          <a:p>
+            <a:pPr algn="ctr"/>
+            <a:r>
+              <a:rPr kumimoji="1" lang="zh-CN" altLang="en-US" dirty="0" smtClean="0"/>
+              <a:t>节点高度</a:t>
+            </a:r>
+            <a:endParaRPr kumimoji="1" lang="zh-CN" altLang="en-US" dirty="0"/>
+          </a:p>
+        </p:txBody>
+      </p:sp>
+      <p:cxnSp>
+        <p:nvCxnSpPr>
+          <p:cNvPr id="6" name="直线箭头连接符 5"/>
+          <p:cNvCxnSpPr>
+            <a:stCxn id="3" idx="0"/>
+          </p:cNvCxnSpPr>
+          <p:nvPr/>
+        </p:nvCxnSpPr>
+        <p:spPr>
+          <a:xfrm flipV="1">
+            <a:off x="699236" y="2866768"/>
+            <a:ext cx="2538234" cy="2220904"/>
+          </a:xfrm>
+          <a:prstGeom prst="straightConnector1">
+            <a:avLst/>
+          </a:prstGeom>
+          <a:ln>
+            <a:tailEnd type="triangle"/>
+          </a:ln>
+        </p:spPr>
+        <p:style>
+          <a:lnRef idx="1">
+            <a:schemeClr val="accent1"/>
+          </a:lnRef>
+          <a:fillRef idx="0">
+            <a:schemeClr val="accent1"/>
+          </a:fillRef>
+          <a:effectRef idx="0">
+            <a:schemeClr val="accent1"/>
+          </a:effectRef>
+          <a:fontRef idx="minor">
+            <a:schemeClr val="tx1"/>
+          </a:fontRef>
+        </p:style>
+      </p:cxnSp>
+      <p:cxnSp>
+        <p:nvCxnSpPr>
+          <p:cNvPr id="20" name="直线箭头连接符 19"/>
+          <p:cNvCxnSpPr>
+            <a:stCxn id="10" idx="0"/>
+          </p:cNvCxnSpPr>
+          <p:nvPr/>
+        </p:nvCxnSpPr>
+        <p:spPr>
+          <a:xfrm flipV="1">
+            <a:off x="1833971" y="2866768"/>
+            <a:ext cx="1630677" cy="2220904"/>
+          </a:xfrm>
+          <a:prstGeom prst="straightConnector1">
+            <a:avLst/>
+          </a:prstGeom>
+          <a:ln>
+            <a:tailEnd type="triangle"/>
+          </a:ln>
+        </p:spPr>
+        <p:style>
+          <a:lnRef idx="1">
+            <a:schemeClr val="accent1"/>
+          </a:lnRef>
+          <a:fillRef idx="0">
+            <a:schemeClr val="accent1"/>
+          </a:fillRef>
+          <a:effectRef idx="0">
+            <a:schemeClr val="accent1"/>
+          </a:effectRef>
+          <a:fontRef idx="minor">
+            <a:schemeClr val="tx1"/>
+          </a:fontRef>
+        </p:style>
+      </p:cxnSp>
+      <p:cxnSp>
+        <p:nvCxnSpPr>
+          <p:cNvPr id="24" name="直线箭头连接符 23"/>
+          <p:cNvCxnSpPr>
+            <a:stCxn id="11" idx="0"/>
+          </p:cNvCxnSpPr>
+          <p:nvPr/>
+        </p:nvCxnSpPr>
+        <p:spPr>
+          <a:xfrm flipH="1" flipV="1">
+            <a:off x="3806517" y="2866768"/>
+            <a:ext cx="286199" cy="2220904"/>
+          </a:xfrm>
+          <a:prstGeom prst="straightConnector1">
+            <a:avLst/>
+          </a:prstGeom>
+          <a:ln>
+            <a:tailEnd type="triangle"/>
+          </a:ln>
+        </p:spPr>
+        <p:style>
+          <a:lnRef idx="1">
+            <a:schemeClr val="accent1"/>
+          </a:lnRef>
+          <a:fillRef idx="0">
+            <a:schemeClr val="accent1"/>
+          </a:fillRef>
+          <a:effectRef idx="0">
+            <a:schemeClr val="accent1"/>
+          </a:effectRef>
+          <a:fontRef idx="minor">
+            <a:schemeClr val="tx1"/>
+          </a:fontRef>
+        </p:style>
+      </p:cxnSp>
+      <p:cxnSp>
+        <p:nvCxnSpPr>
+          <p:cNvPr id="26" name="直线箭头连接符 25"/>
+          <p:cNvCxnSpPr>
+            <a:stCxn id="13" idx="0"/>
+          </p:cNvCxnSpPr>
+          <p:nvPr/>
+        </p:nvCxnSpPr>
+        <p:spPr>
+          <a:xfrm flipH="1" flipV="1">
+            <a:off x="4149027" y="2866768"/>
+            <a:ext cx="3257530" cy="2220904"/>
+          </a:xfrm>
+          <a:prstGeom prst="straightConnector1">
+            <a:avLst/>
+          </a:prstGeom>
+          <a:ln>
+            <a:tailEnd type="triangle"/>
+          </a:ln>
+        </p:spPr>
+        <p:style>
+          <a:lnRef idx="1">
+            <a:schemeClr val="accent1"/>
+          </a:lnRef>
+          <a:fillRef idx="0">
+            <a:schemeClr val="accent1"/>
+          </a:fillRef>
+          <a:effectRef idx="0">
+            <a:schemeClr val="accent1"/>
+          </a:effectRef>
+          <a:fontRef idx="minor">
+            <a:schemeClr val="tx1"/>
+          </a:fontRef>
+        </p:style>
+      </p:cxnSp>
+      <p:cxnSp>
+        <p:nvCxnSpPr>
+          <p:cNvPr id="30" name="直线箭头连接符 29"/>
+          <p:cNvCxnSpPr>
+            <a:stCxn id="14" idx="0"/>
+          </p:cNvCxnSpPr>
+          <p:nvPr/>
+        </p:nvCxnSpPr>
+        <p:spPr>
+          <a:xfrm flipH="1" flipV="1">
+            <a:off x="4372551" y="2866768"/>
+            <a:ext cx="5415050" cy="2220904"/>
+          </a:xfrm>
+          <a:prstGeom prst="straightConnector1">
+            <a:avLst/>
+          </a:prstGeom>
+          <a:ln>
+            <a:tailEnd type="triangle"/>
+          </a:ln>
+        </p:spPr>
+        <p:style>
+          <a:lnRef idx="1">
+            <a:schemeClr val="accent1"/>
+          </a:lnRef>
+          <a:fillRef idx="0">
+            <a:schemeClr val="accent1"/>
+          </a:fillRef>
+          <a:effectRef idx="0">
+            <a:schemeClr val="accent1"/>
+          </a:effectRef>
+          <a:fontRef idx="minor">
+            <a:schemeClr val="tx1"/>
+          </a:fontRef>
+        </p:style>
+      </p:cxnSp>
+    </p:spTree>
+    <p:extLst>
+      <p:ext uri="{BB962C8B-B14F-4D97-AF65-F5344CB8AC3E}">
+        <p14:creationId xmlns:p14="http://schemas.microsoft.com/office/powerpoint/2010/main" val="230560093"/>
+      </p:ext>
+    </p:extLst>
+  </p:cSld>
+  <p:clrMapOvr>
+    <a:masterClrMapping/>
+  </p:clrMapOvr>
+</p:sld>
+</file>
+
+<file path=ppt/slides/slide13.xml><?xml version="1.0" encoding="utf-8"?>
+<p:sld xmlns:a="http://schemas.openxmlformats.org/drawingml/2006/main" xmlns:r="http://schemas.openxmlformats.org/officeDocument/2006/relationships" xmlns:p="http://schemas.openxmlformats.org/presentationml/2006/main">
+  <p:cSld>
+    <p:spTree>
+      <p:nvGrpSpPr>
+        <p:cNvPr id="1" name=""/>
+        <p:cNvGrpSpPr/>
+        <p:nvPr/>
+      </p:nvGrpSpPr>
+      <p:grpSpPr>
+        <a:xfrm>
+          <a:off x="0" y="0"/>
+          <a:ext cx="0" cy="0"/>
+          <a:chOff x="0" y="0"/>
+          <a:chExt cx="0" cy="0"/>
+        </a:xfrm>
+      </p:grpSpPr>
+      <p:sp>
+        <p:nvSpPr>
+          <p:cNvPr id="2" name="标题 1"/>
+          <p:cNvSpPr>
+            <a:spLocks noGrp="1"/>
+          </p:cNvSpPr>
+          <p:nvPr>
+            <p:ph type="title"/>
+          </p:nvPr>
+        </p:nvSpPr>
+        <p:spPr>
+          <a:xfrm>
+            <a:off x="0" y="296562"/>
+            <a:ext cx="11180805" cy="1325563"/>
+          </a:xfrm>
+        </p:spPr>
+        <p:txBody>
+          <a:bodyPr/>
+          <a:lstStyle/>
+          <a:p>
+            <a:r>
+              <a:rPr kumimoji="1" lang="zh-CN" altLang="en-US" dirty="0" smtClean="0"/>
+              <a:t>数据</a:t>
+            </a:r>
+            <a:r>
+              <a:rPr kumimoji="1" lang="zh-CN" altLang="en-US" dirty="0" smtClean="0"/>
+              <a:t>结构</a:t>
+            </a:r>
+            <a:r>
+              <a:rPr lang="zh-CN" altLang="en-US" sz="1600" dirty="0" smtClean="0"/>
+              <a:t>nodeArray:</a:t>
+            </a:r>
+            <a:endParaRPr kumimoji="1" lang="zh-CN" altLang="en-US" sz="1600" dirty="0"/>
+          </a:p>
+        </p:txBody>
+      </p:sp>
+      <p:pic>
+        <p:nvPicPr>
+          <p:cNvPr id="31" name="图片 30"/>
+          <p:cNvPicPr>
+            <a:picLocks noChangeAspect="1"/>
+          </p:cNvPicPr>
+          <p:nvPr/>
+        </p:nvPicPr>
+        <p:blipFill>
+          <a:blip r:embed="rId2"/>
+          <a:stretch>
+            <a:fillRect/>
+          </a:stretch>
+        </p:blipFill>
+        <p:spPr>
+          <a:xfrm>
+            <a:off x="198505" y="1504406"/>
+            <a:ext cx="5608373" cy="2423297"/>
+          </a:xfrm>
+          <a:prstGeom prst="rect">
+            <a:avLst/>
+          </a:prstGeom>
+        </p:spPr>
+      </p:pic>
+      <p:pic>
+        <p:nvPicPr>
+          <p:cNvPr id="33" name="图片 32"/>
+          <p:cNvPicPr>
+            <a:picLocks noChangeAspect="1"/>
+          </p:cNvPicPr>
+          <p:nvPr/>
+        </p:nvPicPr>
+        <p:blipFill>
+          <a:blip r:embed="rId3"/>
+          <a:stretch>
+            <a:fillRect/>
+          </a:stretch>
+        </p:blipFill>
+        <p:spPr>
+          <a:xfrm>
+            <a:off x="1323170" y="4494095"/>
+            <a:ext cx="1679522" cy="1755007"/>
+          </a:xfrm>
+          <a:prstGeom prst="rect">
+            <a:avLst/>
+          </a:prstGeom>
+        </p:spPr>
+      </p:pic>
+      <p:sp>
+        <p:nvSpPr>
+          <p:cNvPr id="32" name="矩形 31"/>
+          <p:cNvSpPr/>
+          <p:nvPr/>
+        </p:nvSpPr>
+        <p:spPr>
+          <a:xfrm>
+            <a:off x="1779374" y="5371598"/>
+            <a:ext cx="197708" cy="877504"/>
+          </a:xfrm>
+          <a:prstGeom prst="rect">
+            <a:avLst/>
+          </a:prstGeom>
+          <a:noFill/>
+          <a:ln w="28575">
+            <a:solidFill>
+              <a:schemeClr val="bg1"/>
+            </a:solidFill>
+            <a:prstDash val="sysDot"/>
+          </a:ln>
+        </p:spPr>
+        <p:style>
+          <a:lnRef idx="2">
+            <a:schemeClr val="accent6"/>
+          </a:lnRef>
+          <a:fillRef idx="1">
+            <a:schemeClr val="lt1"/>
+          </a:fillRef>
+          <a:effectRef idx="0">
+            <a:schemeClr val="accent6"/>
+          </a:effectRef>
+          <a:fontRef idx="minor">
+            <a:schemeClr val="dk1"/>
+          </a:fontRef>
+        </p:style>
+        <p:txBody>
+          <a:bodyPr rtlCol="0" anchor="ctr"/>
+          <a:lstStyle/>
+          <a:p>
+            <a:pPr algn="ctr"/>
+            <a:endParaRPr kumimoji="1" lang="zh-CN" altLang="en-US"/>
+          </a:p>
+        </p:txBody>
+      </p:sp>
+      <p:sp>
+        <p:nvSpPr>
+          <p:cNvPr id="34" name="椭圆 33"/>
+          <p:cNvSpPr/>
+          <p:nvPr/>
+        </p:nvSpPr>
+        <p:spPr>
+          <a:xfrm>
+            <a:off x="1668162" y="5445740"/>
+            <a:ext cx="420130" cy="263083"/>
+          </a:xfrm>
+          <a:prstGeom prst="ellipse">
+            <a:avLst/>
+          </a:prstGeom>
+          <a:noFill/>
+          <a:ln w="19050">
+            <a:solidFill>
+              <a:srgbClr val="FF0000"/>
+            </a:solidFill>
+            <a:prstDash val="solid"/>
+          </a:ln>
+        </p:spPr>
+        <p:style>
+          <a:lnRef idx="2">
+            <a:schemeClr val="accent1">
+              <a:shade val="50000"/>
+            </a:schemeClr>
+          </a:lnRef>
+          <a:fillRef idx="1">
+            <a:schemeClr val="accent1"/>
+          </a:fillRef>
+          <a:effectRef idx="0">
+            <a:schemeClr val="accent1"/>
+          </a:effectRef>
+          <a:fontRef idx="minor">
+            <a:schemeClr val="lt1"/>
+          </a:fontRef>
+        </p:style>
+        <p:txBody>
+          <a:bodyPr rtlCol="0" anchor="ctr"/>
+          <a:lstStyle/>
+          <a:p>
+            <a:pPr algn="ctr"/>
+            <a:endParaRPr kumimoji="1" lang="zh-CN" altLang="en-US"/>
+          </a:p>
+        </p:txBody>
+      </p:sp>
+      <p:sp>
+        <p:nvSpPr>
+          <p:cNvPr id="35" name="文本框 34"/>
+          <p:cNvSpPr txBox="1"/>
+          <p:nvPr/>
+        </p:nvSpPr>
+        <p:spPr>
+          <a:xfrm>
+            <a:off x="4040659" y="4609070"/>
+            <a:ext cx="1922321" cy="369332"/>
+          </a:xfrm>
+          <a:prstGeom prst="rect">
+            <a:avLst/>
+          </a:prstGeom>
+          <a:noFill/>
+        </p:spPr>
+        <p:txBody>
+          <a:bodyPr wrap="none" rtlCol="0">
+            <a:spAutoFit/>
+          </a:bodyPr>
+          <a:lstStyle/>
+          <a:p>
+            <a:r>
+              <a:rPr kumimoji="1" lang="zh-CN" altLang="en-US" dirty="0" smtClean="0">
+                <a:solidFill>
+                  <a:srgbClr val="FF0000"/>
+                </a:solidFill>
+              </a:rPr>
+              <a:t>该节点的高度为</a:t>
+            </a:r>
+            <a:r>
+              <a:rPr kumimoji="1" lang="en-US" altLang="zh-CN" dirty="0" smtClean="0">
+                <a:solidFill>
+                  <a:srgbClr val="FF0000"/>
+                </a:solidFill>
+              </a:rPr>
+              <a:t>2</a:t>
+            </a:r>
+          </a:p>
+        </p:txBody>
+      </p:sp>
+      <p:cxnSp>
+        <p:nvCxnSpPr>
+          <p:cNvPr id="38" name="直线箭头连接符 37"/>
+          <p:cNvCxnSpPr>
+            <a:stCxn id="35" idx="1"/>
+          </p:cNvCxnSpPr>
+          <p:nvPr/>
+        </p:nvCxnSpPr>
+        <p:spPr>
+          <a:xfrm flipH="1">
+            <a:off x="2088293" y="4793736"/>
+            <a:ext cx="1952366" cy="791518"/>
+          </a:xfrm>
+          <a:prstGeom prst="straightConnector1">
+            <a:avLst/>
+          </a:prstGeom>
+          <a:ln>
+            <a:solidFill>
+              <a:srgbClr val="FF0000"/>
+            </a:solidFill>
+            <a:tailEnd type="triangle"/>
+          </a:ln>
+        </p:spPr>
+        <p:style>
+          <a:lnRef idx="1">
+            <a:schemeClr val="accent1"/>
+          </a:lnRef>
+          <a:fillRef idx="0">
+            <a:schemeClr val="accent1"/>
+          </a:fillRef>
+          <a:effectRef idx="0">
+            <a:schemeClr val="accent1"/>
+          </a:effectRef>
+          <a:fontRef idx="minor">
+            <a:schemeClr val="tx1"/>
+          </a:fontRef>
+        </p:style>
+      </p:cxnSp>
+      <p:sp>
+        <p:nvSpPr>
+          <p:cNvPr id="42" name="圆角矩形 41"/>
+          <p:cNvSpPr/>
+          <p:nvPr/>
+        </p:nvSpPr>
+        <p:spPr>
+          <a:xfrm>
+            <a:off x="6638870" y="1958980"/>
+            <a:ext cx="5149475" cy="3486760"/>
+          </a:xfrm>
+          <a:prstGeom prst="roundRect">
+            <a:avLst/>
+          </a:prstGeom>
+          <a:solidFill>
+            <a:schemeClr val="tx1"/>
+          </a:solidFill>
+        </p:spPr>
+        <p:style>
+          <a:lnRef idx="2">
+            <a:schemeClr val="accent1">
+              <a:shade val="50000"/>
+            </a:schemeClr>
+          </a:lnRef>
+          <a:fillRef idx="1">
+            <a:schemeClr val="accent1"/>
+          </a:fillRef>
+          <a:effectRef idx="0">
+            <a:schemeClr val="accent1"/>
+          </a:effectRef>
+          <a:fontRef idx="minor">
+            <a:schemeClr val="lt1"/>
+          </a:fontRef>
+        </p:style>
+        <p:txBody>
+          <a:bodyPr rtlCol="0" anchor="ctr"/>
+          <a:lstStyle/>
+          <a:p>
+            <a:pPr algn="ctr"/>
+            <a:r>
+              <a:rPr kumimoji="1" lang="zh-CN" altLang="en-US" smtClean="0"/>
+              <a:t>节点高度定义</a:t>
             </a:r>
             <a:endParaRPr kumimoji="1" lang="zh-CN" altLang="en-US" dirty="0"/>
           </a:p>
@@ -4814,6 +5448,787 @@
     <p:extLst>
       <p:ext uri="{BB962C8B-B14F-4D97-AF65-F5344CB8AC3E}">
         <p14:creationId xmlns:p14="http://schemas.microsoft.com/office/powerpoint/2010/main" val="150676237"/>
+      </p:ext>
+    </p:extLst>
+  </p:cSld>
+  <p:clrMapOvr>
+    <a:masterClrMapping/>
+  </p:clrMapOvr>
+</p:sld>
+</file>
+
+<file path=ppt/slides/slide14.xml><?xml version="1.0" encoding="utf-8"?>
+<p:sld xmlns:a="http://schemas.openxmlformats.org/drawingml/2006/main" xmlns:r="http://schemas.openxmlformats.org/officeDocument/2006/relationships" xmlns:p="http://schemas.openxmlformats.org/presentationml/2006/main">
+  <p:cSld>
+    <p:spTree>
+      <p:nvGrpSpPr>
+        <p:cNvPr id="1" name=""/>
+        <p:cNvGrpSpPr/>
+        <p:nvPr/>
+      </p:nvGrpSpPr>
+      <p:grpSpPr>
+        <a:xfrm>
+          <a:off x="0" y="0"/>
+          <a:ext cx="0" cy="0"/>
+          <a:chOff x="0" y="0"/>
+          <a:chExt cx="0" cy="0"/>
+        </a:xfrm>
+      </p:grpSpPr>
+      <p:pic>
+        <p:nvPicPr>
+          <p:cNvPr id="15" name="图片 14"/>
+          <p:cNvPicPr>
+            <a:picLocks noChangeAspect="1"/>
+          </p:cNvPicPr>
+          <p:nvPr/>
+        </p:nvPicPr>
+        <p:blipFill>
+          <a:blip r:embed="rId2"/>
+          <a:stretch>
+            <a:fillRect/>
+          </a:stretch>
+        </p:blipFill>
+        <p:spPr>
+          <a:xfrm>
+            <a:off x="1045755" y="1325563"/>
+            <a:ext cx="4989872" cy="1791730"/>
+          </a:xfrm>
+          <a:prstGeom prst="rect">
+            <a:avLst/>
+          </a:prstGeom>
+        </p:spPr>
+      </p:pic>
+      <p:sp>
+        <p:nvSpPr>
+          <p:cNvPr id="2" name="标题 1"/>
+          <p:cNvSpPr>
+            <a:spLocks noGrp="1"/>
+          </p:cNvSpPr>
+          <p:nvPr>
+            <p:ph type="title"/>
+          </p:nvPr>
+        </p:nvSpPr>
+        <p:spPr>
+          <a:xfrm>
+            <a:off x="0" y="0"/>
+            <a:ext cx="11180805" cy="1325563"/>
+          </a:xfrm>
+        </p:spPr>
+        <p:txBody>
+          <a:bodyPr/>
+          <a:lstStyle/>
+          <a:p>
+            <a:r>
+              <a:rPr kumimoji="1" lang="zh-CN" altLang="en-US" dirty="0" smtClean="0"/>
+              <a:t>数据</a:t>
+            </a:r>
+            <a:r>
+              <a:rPr kumimoji="1" lang="zh-CN" altLang="en-US" dirty="0" smtClean="0"/>
+              <a:t>结构</a:t>
+            </a:r>
+            <a:r>
+              <a:rPr lang="en-US" altLang="zh-CN" sz="1600" dirty="0" err="1"/>
+              <a:t>rowInfs</a:t>
+            </a:r>
+            <a:r>
+              <a:rPr lang="en-US" altLang="zh-CN" sz="1600" dirty="0"/>
+              <a:t>:</a:t>
+            </a:r>
+            <a:endParaRPr lang="en-US" altLang="zh-CN" sz="1600" dirty="0"/>
+          </a:p>
+        </p:txBody>
+      </p:sp>
+      <p:sp>
+        <p:nvSpPr>
+          <p:cNvPr id="3" name="圆角矩形 2"/>
+          <p:cNvSpPr/>
+          <p:nvPr/>
+        </p:nvSpPr>
+        <p:spPr>
+          <a:xfrm>
+            <a:off x="272488" y="5087672"/>
+            <a:ext cx="853495" cy="757074"/>
+          </a:xfrm>
+          <a:prstGeom prst="roundRect">
+            <a:avLst/>
+          </a:prstGeom>
+        </p:spPr>
+        <p:style>
+          <a:lnRef idx="2">
+            <a:schemeClr val="accent1">
+              <a:shade val="50000"/>
+            </a:schemeClr>
+          </a:lnRef>
+          <a:fillRef idx="1">
+            <a:schemeClr val="accent1"/>
+          </a:fillRef>
+          <a:effectRef idx="0">
+            <a:schemeClr val="accent1"/>
+          </a:effectRef>
+          <a:fontRef idx="minor">
+            <a:schemeClr val="lt1"/>
+          </a:fontRef>
+        </p:style>
+        <p:txBody>
+          <a:bodyPr rtlCol="0" anchor="ctr"/>
+          <a:lstStyle/>
+          <a:p>
+            <a:pPr algn="ctr"/>
+            <a:r>
+              <a:rPr kumimoji="1" lang="zh-CN" altLang="en-US" dirty="0" smtClean="0"/>
+              <a:t>行号</a:t>
+            </a:r>
+            <a:endParaRPr kumimoji="1" lang="zh-CN" altLang="en-US" dirty="0"/>
+          </a:p>
+        </p:txBody>
+      </p:sp>
+      <p:sp>
+        <p:nvSpPr>
+          <p:cNvPr id="10" name="圆角矩形 9"/>
+          <p:cNvSpPr/>
+          <p:nvPr/>
+        </p:nvSpPr>
+        <p:spPr>
+          <a:xfrm>
+            <a:off x="1401071" y="5087672"/>
+            <a:ext cx="2800226" cy="757074"/>
+          </a:xfrm>
+          <a:prstGeom prst="roundRect">
+            <a:avLst/>
+          </a:prstGeom>
+        </p:spPr>
+        <p:style>
+          <a:lnRef idx="2">
+            <a:schemeClr val="accent1">
+              <a:shade val="50000"/>
+            </a:schemeClr>
+          </a:lnRef>
+          <a:fillRef idx="1">
+            <a:schemeClr val="accent1"/>
+          </a:fillRef>
+          <a:effectRef idx="0">
+            <a:schemeClr val="accent1"/>
+          </a:effectRef>
+          <a:fontRef idx="minor">
+            <a:schemeClr val="lt1"/>
+          </a:fontRef>
+        </p:style>
+        <p:txBody>
+          <a:bodyPr rtlCol="0" anchor="ctr"/>
+          <a:lstStyle/>
+          <a:p>
+            <a:pPr algn="ctr"/>
+            <a:r>
+              <a:rPr kumimoji="1" lang="zh-CN" altLang="en-US" dirty="0"/>
+              <a:t>连续</a:t>
+            </a:r>
+            <a:r>
+              <a:rPr kumimoji="1" lang="en-US" altLang="zh-CN" dirty="0"/>
+              <a:t>1</a:t>
+            </a:r>
+            <a:r>
+              <a:rPr kumimoji="1" lang="zh-CN" altLang="en-US" dirty="0"/>
+              <a:t>集合”的左起点</a:t>
+            </a:r>
+            <a:endParaRPr kumimoji="1" lang="zh-CN" altLang="en-US" dirty="0"/>
+          </a:p>
+        </p:txBody>
+      </p:sp>
+      <p:sp>
+        <p:nvSpPr>
+          <p:cNvPr id="11" name="圆角矩形 10"/>
+          <p:cNvSpPr/>
+          <p:nvPr/>
+        </p:nvSpPr>
+        <p:spPr>
+          <a:xfrm>
+            <a:off x="4608938" y="5087672"/>
+            <a:ext cx="2705996" cy="757074"/>
+          </a:xfrm>
+          <a:prstGeom prst="roundRect">
+            <a:avLst/>
+          </a:prstGeom>
+        </p:spPr>
+        <p:style>
+          <a:lnRef idx="2">
+            <a:schemeClr val="accent1">
+              <a:shade val="50000"/>
+            </a:schemeClr>
+          </a:lnRef>
+          <a:fillRef idx="1">
+            <a:schemeClr val="accent1"/>
+          </a:fillRef>
+          <a:effectRef idx="0">
+            <a:schemeClr val="accent1"/>
+          </a:effectRef>
+          <a:fontRef idx="minor">
+            <a:schemeClr val="lt1"/>
+          </a:fontRef>
+        </p:style>
+        <p:txBody>
+          <a:bodyPr rtlCol="0" anchor="ctr"/>
+          <a:lstStyle/>
+          <a:p>
+            <a:pPr algn="ctr"/>
+            <a:r>
+              <a:rPr kumimoji="1" lang="zh-CN" altLang="en-US" dirty="0"/>
+              <a:t>“连续</a:t>
+            </a:r>
+            <a:r>
+              <a:rPr kumimoji="1" lang="en-US" altLang="zh-CN" dirty="0"/>
+              <a:t>1</a:t>
+            </a:r>
+            <a:r>
+              <a:rPr kumimoji="1" lang="zh-CN" altLang="en-US" dirty="0"/>
+              <a:t>集合”的右终点</a:t>
+            </a:r>
+            <a:endParaRPr kumimoji="1" lang="zh-CN" altLang="en-US" dirty="0"/>
+          </a:p>
+        </p:txBody>
+      </p:sp>
+      <p:sp>
+        <p:nvSpPr>
+          <p:cNvPr id="13" name="圆角矩形 12"/>
+          <p:cNvSpPr/>
+          <p:nvPr/>
+        </p:nvSpPr>
+        <p:spPr>
+          <a:xfrm>
+            <a:off x="7786882" y="5087672"/>
+            <a:ext cx="4038534" cy="757074"/>
+          </a:xfrm>
+          <a:prstGeom prst="roundRect">
+            <a:avLst/>
+          </a:prstGeom>
+        </p:spPr>
+        <p:style>
+          <a:lnRef idx="2">
+            <a:schemeClr val="accent1">
+              <a:shade val="50000"/>
+            </a:schemeClr>
+          </a:lnRef>
+          <a:fillRef idx="1">
+            <a:schemeClr val="accent1"/>
+          </a:fillRef>
+          <a:effectRef idx="0">
+            <a:schemeClr val="accent1"/>
+          </a:effectRef>
+          <a:fontRef idx="minor">
+            <a:schemeClr val="lt1"/>
+          </a:fontRef>
+        </p:style>
+        <p:txBody>
+          <a:bodyPr rtlCol="0" anchor="ctr"/>
+          <a:lstStyle/>
+          <a:p>
+            <a:pPr algn="ctr"/>
+            <a:r>
+              <a:rPr kumimoji="1" lang="zh-CN" altLang="en-US" dirty="0" smtClean="0"/>
+              <a:t>“连续</a:t>
+            </a:r>
+            <a:r>
+              <a:rPr kumimoji="1" lang="en-US" altLang="zh-CN" dirty="0"/>
+              <a:t>1</a:t>
+            </a:r>
+            <a:r>
+              <a:rPr kumimoji="1" lang="zh-CN" altLang="en-US" dirty="0"/>
+              <a:t>集合</a:t>
+            </a:r>
+            <a:r>
+              <a:rPr kumimoji="1" lang="zh-CN" altLang="en-US" dirty="0" smtClean="0"/>
+              <a:t>”内部的最高节点高度</a:t>
+            </a:r>
+            <a:endParaRPr kumimoji="1" lang="zh-CN" altLang="en-US" dirty="0"/>
+          </a:p>
+        </p:txBody>
+      </p:sp>
+      <p:cxnSp>
+        <p:nvCxnSpPr>
+          <p:cNvPr id="6" name="直线箭头连接符 5"/>
+          <p:cNvCxnSpPr>
+            <a:stCxn id="3" idx="0"/>
+          </p:cNvCxnSpPr>
+          <p:nvPr/>
+        </p:nvCxnSpPr>
+        <p:spPr>
+          <a:xfrm flipV="1">
+            <a:off x="699236" y="1762533"/>
+            <a:ext cx="800584" cy="3325139"/>
+          </a:xfrm>
+          <a:prstGeom prst="straightConnector1">
+            <a:avLst/>
+          </a:prstGeom>
+          <a:ln>
+            <a:tailEnd type="triangle"/>
+          </a:ln>
+        </p:spPr>
+        <p:style>
+          <a:lnRef idx="1">
+            <a:schemeClr val="accent1"/>
+          </a:lnRef>
+          <a:fillRef idx="0">
+            <a:schemeClr val="accent1"/>
+          </a:fillRef>
+          <a:effectRef idx="0">
+            <a:schemeClr val="accent1"/>
+          </a:effectRef>
+          <a:fontRef idx="minor">
+            <a:schemeClr val="tx1"/>
+          </a:fontRef>
+        </p:style>
+      </p:cxnSp>
+      <p:cxnSp>
+        <p:nvCxnSpPr>
+          <p:cNvPr id="20" name="直线箭头连接符 19"/>
+          <p:cNvCxnSpPr>
+            <a:stCxn id="10" idx="0"/>
+          </p:cNvCxnSpPr>
+          <p:nvPr/>
+        </p:nvCxnSpPr>
+        <p:spPr>
+          <a:xfrm flipH="1" flipV="1">
+            <a:off x="1926570" y="1762534"/>
+            <a:ext cx="874614" cy="3325138"/>
+          </a:xfrm>
+          <a:prstGeom prst="straightConnector1">
+            <a:avLst/>
+          </a:prstGeom>
+          <a:ln>
+            <a:tailEnd type="triangle"/>
+          </a:ln>
+        </p:spPr>
+        <p:style>
+          <a:lnRef idx="1">
+            <a:schemeClr val="accent1"/>
+          </a:lnRef>
+          <a:fillRef idx="0">
+            <a:schemeClr val="accent1"/>
+          </a:fillRef>
+          <a:effectRef idx="0">
+            <a:schemeClr val="accent1"/>
+          </a:effectRef>
+          <a:fontRef idx="minor">
+            <a:schemeClr val="tx1"/>
+          </a:fontRef>
+        </p:style>
+      </p:cxnSp>
+      <p:cxnSp>
+        <p:nvCxnSpPr>
+          <p:cNvPr id="24" name="直线箭头连接符 23"/>
+          <p:cNvCxnSpPr>
+            <a:stCxn id="11" idx="0"/>
+          </p:cNvCxnSpPr>
+          <p:nvPr/>
+        </p:nvCxnSpPr>
+        <p:spPr>
+          <a:xfrm flipH="1" flipV="1">
+            <a:off x="2329236" y="1762533"/>
+            <a:ext cx="3632700" cy="3325139"/>
+          </a:xfrm>
+          <a:prstGeom prst="straightConnector1">
+            <a:avLst/>
+          </a:prstGeom>
+          <a:ln>
+            <a:tailEnd type="triangle"/>
+          </a:ln>
+        </p:spPr>
+        <p:style>
+          <a:lnRef idx="1">
+            <a:schemeClr val="accent1"/>
+          </a:lnRef>
+          <a:fillRef idx="0">
+            <a:schemeClr val="accent1"/>
+          </a:fillRef>
+          <a:effectRef idx="0">
+            <a:schemeClr val="accent1"/>
+          </a:effectRef>
+          <a:fontRef idx="minor">
+            <a:schemeClr val="tx1"/>
+          </a:fontRef>
+        </p:style>
+      </p:cxnSp>
+      <p:cxnSp>
+        <p:nvCxnSpPr>
+          <p:cNvPr id="26" name="直线箭头连接符 25"/>
+          <p:cNvCxnSpPr>
+            <a:stCxn id="13" idx="0"/>
+          </p:cNvCxnSpPr>
+          <p:nvPr/>
+        </p:nvCxnSpPr>
+        <p:spPr>
+          <a:xfrm flipH="1" flipV="1">
+            <a:off x="2801184" y="1762533"/>
+            <a:ext cx="7004965" cy="3325139"/>
+          </a:xfrm>
+          <a:prstGeom prst="straightConnector1">
+            <a:avLst/>
+          </a:prstGeom>
+          <a:ln>
+            <a:tailEnd type="triangle"/>
+          </a:ln>
+        </p:spPr>
+        <p:style>
+          <a:lnRef idx="1">
+            <a:schemeClr val="accent1"/>
+          </a:lnRef>
+          <a:fillRef idx="0">
+            <a:schemeClr val="accent1"/>
+          </a:fillRef>
+          <a:effectRef idx="0">
+            <a:schemeClr val="accent1"/>
+          </a:effectRef>
+          <a:fontRef idx="minor">
+            <a:schemeClr val="tx1"/>
+          </a:fontRef>
+        </p:style>
+      </p:cxnSp>
+      <p:sp>
+        <p:nvSpPr>
+          <p:cNvPr id="25" name="右箭头 24"/>
+          <p:cNvSpPr/>
+          <p:nvPr/>
+        </p:nvSpPr>
+        <p:spPr>
+          <a:xfrm>
+            <a:off x="5721178" y="1428900"/>
+            <a:ext cx="1593756" cy="230295"/>
+          </a:xfrm>
+          <a:prstGeom prst="rightArrow">
+            <a:avLst/>
+          </a:prstGeom>
+          <a:solidFill>
+            <a:srgbClr val="FF0000"/>
+          </a:solidFill>
+        </p:spPr>
+        <p:style>
+          <a:lnRef idx="2">
+            <a:schemeClr val="accent1">
+              <a:shade val="50000"/>
+            </a:schemeClr>
+          </a:lnRef>
+          <a:fillRef idx="1">
+            <a:schemeClr val="accent1"/>
+          </a:fillRef>
+          <a:effectRef idx="0">
+            <a:schemeClr val="accent1"/>
+          </a:effectRef>
+          <a:fontRef idx="minor">
+            <a:schemeClr val="lt1"/>
+          </a:fontRef>
+        </p:style>
+        <p:txBody>
+          <a:bodyPr rtlCol="0" anchor="ctr"/>
+          <a:lstStyle/>
+          <a:p>
+            <a:pPr algn="ctr"/>
+            <a:endParaRPr kumimoji="1" lang="zh-CN" altLang="en-US"/>
+          </a:p>
+        </p:txBody>
+      </p:sp>
+      <p:sp>
+        <p:nvSpPr>
+          <p:cNvPr id="28" name="右箭头 27"/>
+          <p:cNvSpPr/>
+          <p:nvPr/>
+        </p:nvSpPr>
+        <p:spPr>
+          <a:xfrm>
+            <a:off x="5721178" y="1901260"/>
+            <a:ext cx="1593756" cy="230295"/>
+          </a:xfrm>
+          <a:prstGeom prst="rightArrow">
+            <a:avLst/>
+          </a:prstGeom>
+          <a:solidFill>
+            <a:srgbClr val="FF0000"/>
+          </a:solidFill>
+        </p:spPr>
+        <p:style>
+          <a:lnRef idx="2">
+            <a:schemeClr val="accent1">
+              <a:shade val="50000"/>
+            </a:schemeClr>
+          </a:lnRef>
+          <a:fillRef idx="1">
+            <a:schemeClr val="accent1"/>
+          </a:fillRef>
+          <a:effectRef idx="0">
+            <a:schemeClr val="accent1"/>
+          </a:effectRef>
+          <a:fontRef idx="minor">
+            <a:schemeClr val="lt1"/>
+          </a:fontRef>
+        </p:style>
+        <p:txBody>
+          <a:bodyPr rtlCol="0" anchor="ctr"/>
+          <a:lstStyle/>
+          <a:p>
+            <a:pPr algn="ctr"/>
+            <a:endParaRPr kumimoji="1" lang="zh-CN" altLang="en-US"/>
+          </a:p>
+        </p:txBody>
+      </p:sp>
+      <p:sp>
+        <p:nvSpPr>
+          <p:cNvPr id="29" name="右箭头 28"/>
+          <p:cNvSpPr/>
+          <p:nvPr/>
+        </p:nvSpPr>
+        <p:spPr>
+          <a:xfrm>
+            <a:off x="5721178" y="2338230"/>
+            <a:ext cx="1593756" cy="230295"/>
+          </a:xfrm>
+          <a:prstGeom prst="rightArrow">
+            <a:avLst/>
+          </a:prstGeom>
+          <a:solidFill>
+            <a:srgbClr val="FF0000"/>
+          </a:solidFill>
+        </p:spPr>
+        <p:style>
+          <a:lnRef idx="2">
+            <a:schemeClr val="accent1">
+              <a:shade val="50000"/>
+            </a:schemeClr>
+          </a:lnRef>
+          <a:fillRef idx="1">
+            <a:schemeClr val="accent1"/>
+          </a:fillRef>
+          <a:effectRef idx="0">
+            <a:schemeClr val="accent1"/>
+          </a:effectRef>
+          <a:fontRef idx="minor">
+            <a:schemeClr val="lt1"/>
+          </a:fontRef>
+        </p:style>
+        <p:txBody>
+          <a:bodyPr rtlCol="0" anchor="ctr"/>
+          <a:lstStyle/>
+          <a:p>
+            <a:pPr algn="ctr"/>
+            <a:endParaRPr kumimoji="1" lang="zh-CN" altLang="en-US"/>
+          </a:p>
+        </p:txBody>
+      </p:sp>
+      <p:sp>
+        <p:nvSpPr>
+          <p:cNvPr id="31" name="右箭头 30"/>
+          <p:cNvSpPr/>
+          <p:nvPr/>
+        </p:nvSpPr>
+        <p:spPr>
+          <a:xfrm>
+            <a:off x="5721178" y="2775200"/>
+            <a:ext cx="1593756" cy="230295"/>
+          </a:xfrm>
+          <a:prstGeom prst="rightArrow">
+            <a:avLst/>
+          </a:prstGeom>
+          <a:solidFill>
+            <a:srgbClr val="FF0000"/>
+          </a:solidFill>
+        </p:spPr>
+        <p:style>
+          <a:lnRef idx="2">
+            <a:schemeClr val="accent1">
+              <a:shade val="50000"/>
+            </a:schemeClr>
+          </a:lnRef>
+          <a:fillRef idx="1">
+            <a:schemeClr val="accent1"/>
+          </a:fillRef>
+          <a:effectRef idx="0">
+            <a:schemeClr val="accent1"/>
+          </a:effectRef>
+          <a:fontRef idx="minor">
+            <a:schemeClr val="lt1"/>
+          </a:fontRef>
+        </p:style>
+        <p:txBody>
+          <a:bodyPr rtlCol="0" anchor="ctr"/>
+          <a:lstStyle/>
+          <a:p>
+            <a:pPr algn="ctr"/>
+            <a:endParaRPr kumimoji="1" lang="zh-CN" altLang="en-US"/>
+          </a:p>
+        </p:txBody>
+      </p:sp>
+      <p:sp>
+        <p:nvSpPr>
+          <p:cNvPr id="32" name="圆角矩形 31"/>
+          <p:cNvSpPr/>
+          <p:nvPr/>
+        </p:nvSpPr>
+        <p:spPr>
+          <a:xfrm>
+            <a:off x="7506796" y="1842891"/>
+            <a:ext cx="4038534" cy="757074"/>
+          </a:xfrm>
+          <a:prstGeom prst="roundRect">
+            <a:avLst/>
+          </a:prstGeom>
+          <a:solidFill>
+            <a:srgbClr val="FF0000"/>
+          </a:solidFill>
+        </p:spPr>
+        <p:style>
+          <a:lnRef idx="2">
+            <a:schemeClr val="accent1">
+              <a:shade val="50000"/>
+            </a:schemeClr>
+          </a:lnRef>
+          <a:fillRef idx="1">
+            <a:schemeClr val="accent1"/>
+          </a:fillRef>
+          <a:effectRef idx="0">
+            <a:schemeClr val="accent1"/>
+          </a:effectRef>
+          <a:fontRef idx="minor">
+            <a:schemeClr val="lt1"/>
+          </a:fontRef>
+        </p:style>
+        <p:txBody>
+          <a:bodyPr rtlCol="0" anchor="ctr"/>
+          <a:lstStyle/>
+          <a:p>
+            <a:pPr algn="ctr"/>
+            <a:r>
+              <a:rPr kumimoji="1" lang="zh-CN" altLang="en-US" dirty="0" smtClean="0"/>
+              <a:t>每行的“连续</a:t>
+            </a:r>
+            <a:r>
+              <a:rPr kumimoji="1" lang="en-US" altLang="zh-CN" dirty="0"/>
+              <a:t>1</a:t>
+            </a:r>
+            <a:r>
+              <a:rPr kumimoji="1" lang="zh-CN" altLang="en-US" dirty="0"/>
+              <a:t>集合</a:t>
+            </a:r>
+            <a:r>
+              <a:rPr kumimoji="1" lang="zh-CN" altLang="en-US" dirty="0" smtClean="0"/>
+              <a:t>”信息</a:t>
+            </a:r>
+            <a:endParaRPr kumimoji="1" lang="zh-CN" altLang="en-US" dirty="0"/>
+          </a:p>
+        </p:txBody>
+      </p:sp>
+    </p:spTree>
+    <p:extLst>
+      <p:ext uri="{BB962C8B-B14F-4D97-AF65-F5344CB8AC3E}">
+        <p14:creationId xmlns:p14="http://schemas.microsoft.com/office/powerpoint/2010/main" val="628303504"/>
+      </p:ext>
+    </p:extLst>
+  </p:cSld>
+  <p:clrMapOvr>
+    <a:masterClrMapping/>
+  </p:clrMapOvr>
+</p:sld>
+</file>
+
+<file path=ppt/slides/slide15.xml><?xml version="1.0" encoding="utf-8"?>
+<p:sld xmlns:a="http://schemas.openxmlformats.org/drawingml/2006/main" xmlns:r="http://schemas.openxmlformats.org/officeDocument/2006/relationships" xmlns:p="http://schemas.openxmlformats.org/presentationml/2006/main">
+  <p:cSld>
+    <p:spTree>
+      <p:nvGrpSpPr>
+        <p:cNvPr id="1" name=""/>
+        <p:cNvGrpSpPr/>
+        <p:nvPr/>
+      </p:nvGrpSpPr>
+      <p:grpSpPr>
+        <a:xfrm>
+          <a:off x="0" y="0"/>
+          <a:ext cx="0" cy="0"/>
+          <a:chOff x="0" y="0"/>
+          <a:chExt cx="0" cy="0"/>
+        </a:xfrm>
+      </p:grpSpPr>
+      <p:sp>
+        <p:nvSpPr>
+          <p:cNvPr id="2" name="标题 1"/>
+          <p:cNvSpPr>
+            <a:spLocks noGrp="1"/>
+          </p:cNvSpPr>
+          <p:nvPr>
+            <p:ph type="title"/>
+          </p:nvPr>
+        </p:nvSpPr>
+        <p:spPr/>
+        <p:txBody>
+          <a:bodyPr/>
+          <a:lstStyle/>
+          <a:p>
+            <a:r>
+              <a:rPr kumimoji="1" lang="zh-CN" altLang="en-US" dirty="0" smtClean="0"/>
+              <a:t>算法问题</a:t>
+            </a:r>
+            <a:endParaRPr kumimoji="1" lang="zh-CN" altLang="en-US" sz="1600" dirty="0"/>
+          </a:p>
+        </p:txBody>
+      </p:sp>
+      <p:sp>
+        <p:nvSpPr>
+          <p:cNvPr id="4" name="文本框 3"/>
+          <p:cNvSpPr txBox="1"/>
+          <p:nvPr/>
+        </p:nvSpPr>
+        <p:spPr>
+          <a:xfrm>
+            <a:off x="620105" y="1812266"/>
+            <a:ext cx="9396253" cy="276999"/>
+          </a:xfrm>
+          <a:prstGeom prst="rect">
+            <a:avLst/>
+          </a:prstGeom>
+          <a:noFill/>
+        </p:spPr>
+        <p:txBody>
+          <a:bodyPr wrap="square" rtlCol="0">
+            <a:spAutoFit/>
+          </a:bodyPr>
+          <a:lstStyle/>
+          <a:p>
+            <a:pPr marL="228600" marR="0" lvl="0" indent="-228600" defTabSz="914400" eaLnBrk="1" fontAlgn="auto" latinLnBrk="0" hangingPunct="1">
+              <a:lnSpc>
+                <a:spcPct val="100000"/>
+              </a:lnSpc>
+              <a:spcBef>
+                <a:spcPts val="0"/>
+              </a:spcBef>
+              <a:spcAft>
+                <a:spcPts val="0"/>
+              </a:spcAft>
+              <a:buClrTx/>
+              <a:buSzTx/>
+              <a:buFont typeface="+mj-lt"/>
+              <a:buNone/>
+              <a:tabLst/>
+              <a:defRPr/>
+            </a:pPr>
+            <a:r>
+              <a:rPr kumimoji="1" lang="zh-CN" altLang="en-US" sz="1200" dirty="0" smtClean="0"/>
+              <a:t>时间复杂度太高，若</a:t>
+            </a:r>
+            <a:r>
+              <a:rPr kumimoji="1" lang="en-US" altLang="zh-CN" sz="1200" dirty="0" smtClean="0"/>
+              <a:t>MN</a:t>
+            </a:r>
+            <a:r>
+              <a:rPr kumimoji="1" lang="zh-CN" altLang="en-US" sz="1200" dirty="0" smtClean="0"/>
+              <a:t>是同一个量级的，则该算法的上界可达到</a:t>
+            </a:r>
+            <a:r>
+              <a:rPr kumimoji="1" lang="en-US" altLang="zh-CN" sz="1200" dirty="0" smtClean="0"/>
+              <a:t>O(n^3)</a:t>
+            </a:r>
+            <a:endParaRPr kumimoji="1" lang="zh-CN" altLang="en-US" sz="1200" dirty="0"/>
+          </a:p>
+        </p:txBody>
+      </p:sp>
+    </p:spTree>
+    <p:extLst>
+      <p:ext uri="{BB962C8B-B14F-4D97-AF65-F5344CB8AC3E}">
+        <p14:creationId xmlns:p14="http://schemas.microsoft.com/office/powerpoint/2010/main" val="444868181"/>
       </p:ext>
     </p:extLst>
   </p:cSld>
